--- a/Docs/ci-pipeline.pptx
+++ b/Docs/ci-pipeline.pptx
@@ -114,6 +114,11 @@
       </a:defRPr>
     </a:lvl9pPr>
   </p:defaultTextStyle>
+  <p:extLst>
+    <p:ext uri="{EFAFB233-063F-42B5-8137-9DF3F51BA10A}">
+      <p15:sldGuideLst xmlns:p15="http://schemas.microsoft.com/office/powerpoint/2012/main"/>
+    </p:ext>
+  </p:extLst>
 </p:presentation>
 </file>
 
@@ -459,7 +464,6 @@
               <a:rPr lang="en-US"/>
               <a:t>Click to edit Master title style</a:t>
             </a:r>
-            <a:endParaRPr lang="en-US"/>
           </a:p>
         </p:txBody>
       </p:sp>
@@ -524,7 +528,6 @@
               <a:rPr lang="en-US"/>
               <a:t>Click to edit Master subtitle style</a:t>
             </a:r>
-            <a:endParaRPr lang="en-US"/>
           </a:p>
         </p:txBody>
       </p:sp>
@@ -545,7 +548,7 @@
           <a:p>
             <a:fld id="{D79C799E-7056-4B86-82E7-BAF13F752BC9}" type="datetimeFigureOut">
               <a:rPr lang="en-US" smtClean="0"/>
-              <a:t>11/11/2016</a:t>
+              <a:t>2/10/2017</a:t>
             </a:fld>
             <a:endParaRPr lang="en-US"/>
           </a:p>
@@ -642,7 +645,6 @@
               <a:rPr lang="en-US"/>
               <a:t>Click to edit Master title style</a:t>
             </a:r>
-            <a:endParaRPr lang="en-US"/>
           </a:p>
         </p:txBody>
       </p:sp>
@@ -694,7 +696,6 @@
               <a:rPr lang="en-US"/>
               <a:t>Fifth level</a:t>
             </a:r>
-            <a:endParaRPr lang="en-US"/>
           </a:p>
         </p:txBody>
       </p:sp>
@@ -715,7 +716,7 @@
           <a:p>
             <a:fld id="{D79C799E-7056-4B86-82E7-BAF13F752BC9}" type="datetimeFigureOut">
               <a:rPr lang="en-US" smtClean="0"/>
-              <a:t>11/11/2016</a:t>
+              <a:t>2/10/2017</a:t>
             </a:fld>
             <a:endParaRPr lang="en-US"/>
           </a:p>
@@ -817,7 +818,6 @@
               <a:rPr lang="en-US"/>
               <a:t>Click to edit Master title style</a:t>
             </a:r>
-            <a:endParaRPr lang="en-US"/>
           </a:p>
         </p:txBody>
       </p:sp>
@@ -874,7 +874,6 @@
               <a:rPr lang="en-US"/>
               <a:t>Fifth level</a:t>
             </a:r>
-            <a:endParaRPr lang="en-US"/>
           </a:p>
         </p:txBody>
       </p:sp>
@@ -895,7 +894,7 @@
           <a:p>
             <a:fld id="{D79C799E-7056-4B86-82E7-BAF13F752BC9}" type="datetimeFigureOut">
               <a:rPr lang="en-US" smtClean="0"/>
-              <a:t>11/11/2016</a:t>
+              <a:t>2/10/2017</a:t>
             </a:fld>
             <a:endParaRPr lang="en-US"/>
           </a:p>
@@ -992,7 +991,6 @@
               <a:rPr lang="en-US"/>
               <a:t>Click to edit Master title style</a:t>
             </a:r>
-            <a:endParaRPr lang="en-US"/>
           </a:p>
         </p:txBody>
       </p:sp>
@@ -1044,7 +1042,6 @@
               <a:rPr lang="en-US"/>
               <a:t>Fifth level</a:t>
             </a:r>
-            <a:endParaRPr lang="en-US"/>
           </a:p>
         </p:txBody>
       </p:sp>
@@ -1065,7 +1062,7 @@
           <a:p>
             <a:fld id="{D79C799E-7056-4B86-82E7-BAF13F752BC9}" type="datetimeFigureOut">
               <a:rPr lang="en-US" smtClean="0"/>
-              <a:t>11/11/2016</a:t>
+              <a:t>2/10/2017</a:t>
             </a:fld>
             <a:endParaRPr lang="en-US"/>
           </a:p>
@@ -1171,7 +1168,6 @@
               <a:rPr lang="en-US"/>
               <a:t>Click to edit Master title style</a:t>
             </a:r>
-            <a:endParaRPr lang="en-US"/>
           </a:p>
         </p:txBody>
       </p:sp>
@@ -1311,7 +1307,7 @@
           <a:p>
             <a:fld id="{D79C799E-7056-4B86-82E7-BAF13F752BC9}" type="datetimeFigureOut">
               <a:rPr lang="en-US" smtClean="0"/>
-              <a:t>11/11/2016</a:t>
+              <a:t>2/10/2017</a:t>
             </a:fld>
             <a:endParaRPr lang="en-US"/>
           </a:p>
@@ -1408,7 +1404,6 @@
               <a:rPr lang="en-US"/>
               <a:t>Click to edit Master title style</a:t>
             </a:r>
-            <a:endParaRPr lang="en-US"/>
           </a:p>
         </p:txBody>
       </p:sp>
@@ -1465,7 +1460,6 @@
               <a:rPr lang="en-US"/>
               <a:t>Fifth level</a:t>
             </a:r>
-            <a:endParaRPr lang="en-US"/>
           </a:p>
         </p:txBody>
       </p:sp>
@@ -1522,7 +1516,6 @@
               <a:rPr lang="en-US"/>
               <a:t>Fifth level</a:t>
             </a:r>
-            <a:endParaRPr lang="en-US"/>
           </a:p>
         </p:txBody>
       </p:sp>
@@ -1543,7 +1536,7 @@
           <a:p>
             <a:fld id="{D79C799E-7056-4B86-82E7-BAF13F752BC9}" type="datetimeFigureOut">
               <a:rPr lang="en-US" smtClean="0"/>
-              <a:t>11/11/2016</a:t>
+              <a:t>2/10/2017</a:t>
             </a:fld>
             <a:endParaRPr lang="en-US"/>
           </a:p>
@@ -1645,7 +1638,6 @@
               <a:rPr lang="en-US"/>
               <a:t>Click to edit Master title style</a:t>
             </a:r>
-            <a:endParaRPr lang="en-US"/>
           </a:p>
         </p:txBody>
       </p:sp>
@@ -1767,7 +1759,6 @@
               <a:rPr lang="en-US"/>
               <a:t>Fifth level</a:t>
             </a:r>
-            <a:endParaRPr lang="en-US"/>
           </a:p>
         </p:txBody>
       </p:sp>
@@ -1889,7 +1880,6 @@
               <a:rPr lang="en-US"/>
               <a:t>Fifth level</a:t>
             </a:r>
-            <a:endParaRPr lang="en-US"/>
           </a:p>
         </p:txBody>
       </p:sp>
@@ -1910,7 +1900,7 @@
           <a:p>
             <a:fld id="{D79C799E-7056-4B86-82E7-BAF13F752BC9}" type="datetimeFigureOut">
               <a:rPr lang="en-US" smtClean="0"/>
-              <a:t>11/11/2016</a:t>
+              <a:t>2/10/2017</a:t>
             </a:fld>
             <a:endParaRPr lang="en-US"/>
           </a:p>
@@ -2007,7 +1997,6 @@
               <a:rPr lang="en-US"/>
               <a:t>Click to edit Master title style</a:t>
             </a:r>
-            <a:endParaRPr lang="en-US"/>
           </a:p>
         </p:txBody>
       </p:sp>
@@ -2028,7 +2017,7 @@
           <a:p>
             <a:fld id="{D79C799E-7056-4B86-82E7-BAF13F752BC9}" type="datetimeFigureOut">
               <a:rPr lang="en-US" smtClean="0"/>
-              <a:t>11/11/2016</a:t>
+              <a:t>2/10/2017</a:t>
             </a:fld>
             <a:endParaRPr lang="en-US"/>
           </a:p>
@@ -2123,7 +2112,7 @@
           <a:p>
             <a:fld id="{D79C799E-7056-4B86-82E7-BAF13F752BC9}" type="datetimeFigureOut">
               <a:rPr lang="en-US" smtClean="0"/>
-              <a:t>11/11/2016</a:t>
+              <a:t>2/10/2017</a:t>
             </a:fld>
             <a:endParaRPr lang="en-US"/>
           </a:p>
@@ -2229,7 +2218,6 @@
               <a:rPr lang="en-US"/>
               <a:t>Click to edit Master title style</a:t>
             </a:r>
-            <a:endParaRPr lang="en-US"/>
           </a:p>
         </p:txBody>
       </p:sp>
@@ -2314,7 +2302,6 @@
               <a:rPr lang="en-US"/>
               <a:t>Fifth level</a:t>
             </a:r>
-            <a:endParaRPr lang="en-US"/>
           </a:p>
         </p:txBody>
       </p:sp>
@@ -2400,7 +2387,7 @@
           <a:p>
             <a:fld id="{D79C799E-7056-4B86-82E7-BAF13F752BC9}" type="datetimeFigureOut">
               <a:rPr lang="en-US" smtClean="0"/>
-              <a:t>11/11/2016</a:t>
+              <a:t>2/10/2017</a:t>
             </a:fld>
             <a:endParaRPr lang="en-US"/>
           </a:p>
@@ -2506,7 +2493,6 @@
               <a:rPr lang="en-US"/>
               <a:t>Click to edit Master title style</a:t>
             </a:r>
-            <a:endParaRPr lang="en-US"/>
           </a:p>
         </p:txBody>
       </p:sp>
@@ -2653,7 +2639,7 @@
           <a:p>
             <a:fld id="{D79C799E-7056-4B86-82E7-BAF13F752BC9}" type="datetimeFigureOut">
               <a:rPr lang="en-US" smtClean="0"/>
-              <a:t>11/11/2016</a:t>
+              <a:t>2/10/2017</a:t>
             </a:fld>
             <a:endParaRPr lang="en-US"/>
           </a:p>
@@ -2765,7 +2751,6 @@
               <a:rPr lang="en-US"/>
               <a:t>Click to edit Master title style</a:t>
             </a:r>
-            <a:endParaRPr lang="en-US"/>
           </a:p>
         </p:txBody>
       </p:sp>
@@ -2827,7 +2812,6 @@
               <a:rPr lang="en-US"/>
               <a:t>Fifth level</a:t>
             </a:r>
-            <a:endParaRPr lang="en-US"/>
           </a:p>
         </p:txBody>
       </p:sp>
@@ -2866,7 +2850,7 @@
           <a:p>
             <a:fld id="{D79C799E-7056-4B86-82E7-BAF13F752BC9}" type="datetimeFigureOut">
               <a:rPr lang="en-US" smtClean="0"/>
-              <a:t>11/11/2016</a:t>
+              <a:t>2/10/2017</a:t>
             </a:fld>
             <a:endParaRPr lang="en-US"/>
           </a:p>
@@ -5952,8 +5936,8 @@
           </p:pic>
         </p:grpSp>
       </p:grpSp>
-      <mc:AlternateContent xmlns:mc="http://schemas.openxmlformats.org/markup-compatibility/2006">
-        <mc:Choice xmlns:p14="http://schemas.microsoft.com/office/powerpoint/2010/main" Requires="p14">
+      <mc:AlternateContent xmlns:mc="http://schemas.openxmlformats.org/markup-compatibility/2006" xmlns:p14="http://schemas.microsoft.com/office/powerpoint/2010/main">
+        <mc:Choice Requires="p14">
           <p:contentPart p14:bwMode="auto" r:id="rId17">
             <p14:nvContentPartPr>
               <p14:cNvPr id="147" name="Ink 146"/>
@@ -5966,7 +5950,7 @@
             </p14:xfrm>
           </p:contentPart>
         </mc:Choice>
-        <mc:Fallback>
+        <mc:Fallback xmlns="">
           <p:pic>
             <p:nvPicPr>
               <p:cNvPr id="147" name="Ink 146"/>
@@ -9630,8 +9614,8 @@
           </p:pic>
         </p:grpSp>
       </p:grpSp>
-      <mc:AlternateContent xmlns:mc="http://schemas.openxmlformats.org/markup-compatibility/2006">
-        <mc:Choice xmlns:p14="http://schemas.microsoft.com/office/powerpoint/2010/main" Requires="p14">
+      <mc:AlternateContent xmlns:mc="http://schemas.openxmlformats.org/markup-compatibility/2006" xmlns:p14="http://schemas.microsoft.com/office/powerpoint/2010/main">
+        <mc:Choice Requires="p14">
           <p:contentPart p14:bwMode="auto" r:id="rId15">
             <p14:nvContentPartPr>
               <p14:cNvPr id="147" name="Ink 146"/>
@@ -9644,7 +9628,7 @@
             </p14:xfrm>
           </p:contentPart>
         </mc:Choice>
-        <mc:Fallback>
+        <mc:Fallback xmlns="">
           <p:pic>
             <p:nvPicPr>
               <p:cNvPr id="147" name="Ink 146"/>
@@ -11581,42 +11565,121 @@
           <a:chExt cx="0" cy="0"/>
         </a:xfrm>
       </p:grpSpPr>
+      <p:sp>
+        <p:nvSpPr>
+          <p:cNvPr id="59" name="Rectangle 58"/>
+          <p:cNvSpPr/>
+          <p:nvPr/>
+        </p:nvSpPr>
+        <p:spPr>
+          <a:xfrm>
+            <a:off x="6975764" y="3075459"/>
+            <a:ext cx="2334491" cy="1568004"/>
+          </a:xfrm>
+          <a:prstGeom prst="rect">
+            <a:avLst/>
+          </a:prstGeom>
+          <a:solidFill>
+            <a:schemeClr val="bg1"/>
+          </a:solidFill>
+          <a:ln>
+            <a:solidFill>
+              <a:srgbClr val="0079D6"/>
+            </a:solidFill>
+            <a:prstDash val="sysDot"/>
+          </a:ln>
+        </p:spPr>
+        <p:style>
+          <a:lnRef idx="2">
+            <a:schemeClr val="accent1">
+              <a:shade val="50000"/>
+            </a:schemeClr>
+          </a:lnRef>
+          <a:fillRef idx="1">
+            <a:schemeClr val="accent1"/>
+          </a:fillRef>
+          <a:effectRef idx="0">
+            <a:schemeClr val="accent1"/>
+          </a:effectRef>
+          <a:fontRef idx="minor">
+            <a:schemeClr val="lt1"/>
+          </a:fontRef>
+        </p:style>
+        <p:txBody>
+          <a:bodyPr rtlCol="0" anchor="ctr"/>
+          <a:lstStyle/>
+          <a:p>
+            <a:pPr algn="ctr"/>
+            <a:endParaRPr lang="en-US"/>
+          </a:p>
+        </p:txBody>
+      </p:sp>
+      <p:pic>
+        <p:nvPicPr>
+          <p:cNvPr id="4" name="Picture 3"/>
+          <p:cNvPicPr>
+            <a:picLocks noChangeAspect="1"/>
+          </p:cNvPicPr>
+          <p:nvPr/>
+        </p:nvPicPr>
+        <p:blipFill>
+          <a:blip r:embed="rId2">
+            <a:extLst>
+              <a:ext uri="{28A0092B-C50C-407E-A947-70E740481C1C}">
+                <a14:useLocalDpi xmlns:a14="http://schemas.microsoft.com/office/drawing/2010/main" val="0"/>
+              </a:ext>
+            </a:extLst>
+          </a:blip>
+          <a:stretch>
+            <a:fillRect/>
+          </a:stretch>
+        </p:blipFill>
+        <p:spPr>
+          <a:xfrm>
+            <a:off x="9061515" y="4456705"/>
+            <a:ext cx="454640" cy="454640"/>
+          </a:xfrm>
+          <a:prstGeom prst="rect">
+            <a:avLst/>
+          </a:prstGeom>
+          <a:solidFill>
+            <a:schemeClr val="bg1"/>
+          </a:solidFill>
+        </p:spPr>
+      </p:pic>
       <p:grpSp>
         <p:nvGrpSpPr>
-          <p:cNvPr id="60" name="Group 59"/>
+          <p:cNvPr id="58" name="Group 57"/>
           <p:cNvGrpSpPr/>
           <p:nvPr/>
         </p:nvGrpSpPr>
         <p:grpSpPr>
           <a:xfrm>
-            <a:off x="6975764" y="3075459"/>
-            <a:ext cx="5131827" cy="1845786"/>
-            <a:chOff x="6975764" y="2417368"/>
-            <a:chExt cx="5131827" cy="1845786"/>
+            <a:off x="7060552" y="3145288"/>
+            <a:ext cx="1958757" cy="1276872"/>
+            <a:chOff x="5404934" y="2487197"/>
+            <a:chExt cx="1958757" cy="1276872"/>
           </a:xfrm>
         </p:grpSpPr>
         <p:sp>
           <p:nvSpPr>
-            <p:cNvPr id="59" name="Rectangle 58"/>
+            <p:cNvPr id="24" name="Rectangle 23"/>
             <p:cNvSpPr/>
             <p:nvPr/>
           </p:nvSpPr>
           <p:spPr>
             <a:xfrm>
-              <a:off x="6975764" y="2417368"/>
-              <a:ext cx="4980709" cy="1568004"/>
+              <a:off x="5502656" y="2694709"/>
+              <a:ext cx="1861035" cy="1069360"/>
             </a:xfrm>
             <a:prstGeom prst="rect">
               <a:avLst/>
             </a:prstGeom>
-            <a:solidFill>
-              <a:schemeClr val="bg1"/>
-            </a:solidFill>
+            <a:noFill/>
             <a:ln>
               <a:solidFill>
                 <a:srgbClr val="0079D6"/>
               </a:solidFill>
-              <a:prstDash val="sysDot"/>
             </a:ln>
           </p:spPr>
           <p:style>
@@ -11644,71 +11707,40 @@
             </a:p>
           </p:txBody>
         </p:sp>
-        <p:pic>
-          <p:nvPicPr>
-            <p:cNvPr id="4" name="Picture 3"/>
-            <p:cNvPicPr>
-              <a:picLocks noChangeAspect="1"/>
-            </p:cNvPicPr>
-            <p:nvPr/>
-          </p:nvPicPr>
-          <p:blipFill>
-            <a:blip r:embed="rId2">
-              <a:extLst>
-                <a:ext uri="{28A0092B-C50C-407E-A947-70E740481C1C}">
-                  <a14:useLocalDpi xmlns:a14="http://schemas.microsoft.com/office/drawing/2010/main" val="0"/>
-                </a:ext>
-              </a:extLst>
-            </a:blip>
-            <a:stretch>
-              <a:fillRect/>
-            </a:stretch>
-          </p:blipFill>
-          <p:spPr>
-            <a:xfrm>
-              <a:off x="11652951" y="3808514"/>
-              <a:ext cx="454640" cy="454640"/>
-            </a:xfrm>
-            <a:prstGeom prst="rect">
-              <a:avLst/>
-            </a:prstGeom>
-            <a:solidFill>
-              <a:schemeClr val="bg1"/>
-            </a:solidFill>
-          </p:spPr>
-        </p:pic>
         <p:grpSp>
           <p:nvGrpSpPr>
-            <p:cNvPr id="58" name="Group 57"/>
+            <p:cNvPr id="29" name="Group 28"/>
             <p:cNvGrpSpPr/>
             <p:nvPr/>
           </p:nvGrpSpPr>
           <p:grpSpPr>
             <a:xfrm>
-              <a:off x="7060552" y="2487197"/>
-              <a:ext cx="1958757" cy="1276872"/>
-              <a:chOff x="5404934" y="2487197"/>
-              <a:chExt cx="1958757" cy="1276872"/>
+              <a:off x="5780269" y="2796608"/>
+              <a:ext cx="549472" cy="865562"/>
+              <a:chOff x="6550983" y="4010891"/>
+              <a:chExt cx="549472" cy="865562"/>
             </a:xfrm>
           </p:grpSpPr>
           <p:sp>
             <p:nvSpPr>
-              <p:cNvPr id="24" name="Rectangle 23"/>
+              <p:cNvPr id="25" name="Rectangle 24"/>
               <p:cNvSpPr/>
               <p:nvPr/>
             </p:nvSpPr>
             <p:spPr>
               <a:xfrm>
-                <a:off x="5502656" y="2694709"/>
-                <a:ext cx="1861035" cy="1069360"/>
+                <a:off x="6550983" y="4010891"/>
+                <a:ext cx="549472" cy="865562"/>
               </a:xfrm>
               <a:prstGeom prst="rect">
                 <a:avLst/>
               </a:prstGeom>
-              <a:noFill/>
+              <a:solidFill>
+                <a:schemeClr val="bg1"/>
+              </a:solidFill>
               <a:ln>
                 <a:solidFill>
-                  <a:srgbClr val="0079D6"/>
+                  <a:schemeClr val="tx1"/>
                 </a:solidFill>
               </a:ln>
             </p:spPr>
@@ -11739,163 +11771,180 @@
           </p:sp>
           <p:grpSp>
             <p:nvGrpSpPr>
-              <p:cNvPr id="29" name="Group 28"/>
+              <p:cNvPr id="21" name="Group 20"/>
               <p:cNvGrpSpPr/>
               <p:nvPr/>
             </p:nvGrpSpPr>
             <p:grpSpPr>
               <a:xfrm>
-                <a:off x="5780269" y="2796608"/>
-                <a:ext cx="549472" cy="865562"/>
-                <a:chOff x="6550983" y="4010891"/>
-                <a:chExt cx="549472" cy="865562"/>
+                <a:off x="6550983" y="4112517"/>
+                <a:ext cx="549472" cy="763936"/>
+                <a:chOff x="4677058" y="2768684"/>
+                <a:chExt cx="549472" cy="763936"/>
               </a:xfrm>
             </p:grpSpPr>
             <p:sp>
               <p:nvSpPr>
-                <p:cNvPr id="25" name="Rectangle 24"/>
-                <p:cNvSpPr/>
+                <p:cNvPr id="19" name="TextBox 18"/>
+                <p:cNvSpPr txBox="1"/>
                 <p:nvPr/>
               </p:nvSpPr>
               <p:spPr>
                 <a:xfrm>
-                  <a:off x="6550983" y="4010891"/>
-                  <a:ext cx="549472" cy="865562"/>
+                  <a:off x="4677058" y="3317176"/>
+                  <a:ext cx="549472" cy="215444"/>
                 </a:xfrm>
                 <a:prstGeom prst="rect">
                   <a:avLst/>
                 </a:prstGeom>
-                <a:solidFill>
-                  <a:schemeClr val="bg1"/>
-                </a:solidFill>
-                <a:ln>
-                  <a:solidFill>
-                    <a:schemeClr val="tx1"/>
-                  </a:solidFill>
-                </a:ln>
+                <a:noFill/>
               </p:spPr>
-              <p:style>
-                <a:lnRef idx="2">
-                  <a:schemeClr val="accent1">
-                    <a:shade val="50000"/>
-                  </a:schemeClr>
-                </a:lnRef>
-                <a:fillRef idx="1">
-                  <a:schemeClr val="accent1"/>
-                </a:fillRef>
-                <a:effectRef idx="0">
-                  <a:schemeClr val="accent1"/>
-                </a:effectRef>
-                <a:fontRef idx="minor">
-                  <a:schemeClr val="lt1"/>
-                </a:fontRef>
-              </p:style>
               <p:txBody>
-                <a:bodyPr rtlCol="0" anchor="ctr"/>
+                <a:bodyPr wrap="square" rtlCol="0">
+                  <a:spAutoFit/>
+                </a:bodyPr>
                 <a:lstStyle/>
                 <a:p>
                   <a:pPr algn="ctr"/>
-                  <a:endParaRPr lang="en-US"/>
+                  <a:r>
+                    <a:rPr lang="en-US" sz="800" dirty="0">
+                      <a:latin typeface="Segoe UI Light" panose="020B0502040204020203" pitchFamily="34" charset="0"/>
+                      <a:cs typeface="Segoe UI Light" panose="020B0502040204020203" pitchFamily="34" charset="0"/>
+                    </a:rPr>
+                    <a:t>develop</a:t>
+                  </a:r>
                 </a:p>
               </p:txBody>
             </p:sp>
-            <p:grpSp>
-              <p:nvGrpSpPr>
-                <p:cNvPr id="21" name="Group 20"/>
-                <p:cNvGrpSpPr/>
+            <p:pic>
+              <p:nvPicPr>
+                <p:cNvPr id="20" name="Picture 19" descr="nintendo, thing&#10;&#10;Description generated with very high confidence"/>
+                <p:cNvPicPr>
+                  <a:picLocks noChangeAspect="1"/>
+                </p:cNvPicPr>
                 <p:nvPr/>
-              </p:nvGrpSpPr>
-              <p:grpSpPr>
+              </p:nvPicPr>
+              <p:blipFill>
+                <a:blip r:embed="rId3"/>
+                <a:stretch>
+                  <a:fillRect/>
+                </a:stretch>
+              </p:blipFill>
+              <p:spPr>
                 <a:xfrm>
-                  <a:off x="6550983" y="4112517"/>
-                  <a:ext cx="549472" cy="763936"/>
-                  <a:chOff x="4677058" y="2768684"/>
-                  <a:chExt cx="549472" cy="763936"/>
+                  <a:off x="4780694" y="2768684"/>
+                  <a:ext cx="342201" cy="548986"/>
                 </a:xfrm>
-              </p:grpSpPr>
-              <p:sp>
-                <p:nvSpPr>
-                  <p:cNvPr id="19" name="TextBox 18"/>
-                  <p:cNvSpPr txBox="1"/>
-                  <p:nvPr/>
-                </p:nvSpPr>
-                <p:spPr>
-                  <a:xfrm>
-                    <a:off x="4677058" y="3317176"/>
-                    <a:ext cx="549472" cy="215444"/>
-                  </a:xfrm>
-                  <a:prstGeom prst="rect">
-                    <a:avLst/>
-                  </a:prstGeom>
-                  <a:noFill/>
-                </p:spPr>
-                <p:txBody>
-                  <a:bodyPr wrap="square" rtlCol="0">
-                    <a:spAutoFit/>
-                  </a:bodyPr>
-                  <a:lstStyle/>
-                  <a:p>
-                    <a:pPr algn="ctr"/>
-                    <a:r>
-                      <a:rPr lang="en-US" sz="800" dirty="0">
-                        <a:latin typeface="Segoe UI Light" panose="020B0502040204020203" pitchFamily="34" charset="0"/>
-                        <a:cs typeface="Segoe UI Light" panose="020B0502040204020203" pitchFamily="34" charset="0"/>
-                      </a:rPr>
-                      <a:t>develop</a:t>
-                    </a:r>
-                  </a:p>
-                </p:txBody>
-              </p:sp>
-              <p:pic>
-                <p:nvPicPr>
-                  <p:cNvPr id="20" name="Picture 19"/>
-                  <p:cNvPicPr>
-                    <a:picLocks noChangeAspect="1"/>
-                  </p:cNvPicPr>
-                  <p:nvPr/>
-                </p:nvPicPr>
-                <p:blipFill>
-                  <a:blip r:embed="rId3"/>
-                  <a:stretch>
-                    <a:fillRect/>
-                  </a:stretch>
-                </p:blipFill>
-                <p:spPr>
-                  <a:xfrm>
-                    <a:off x="4780694" y="2768684"/>
-                    <a:ext cx="342201" cy="548986"/>
-                  </a:xfrm>
-                  <a:prstGeom prst="rect">
-                    <a:avLst/>
-                  </a:prstGeom>
-                </p:spPr>
-              </p:pic>
-            </p:grpSp>
+                <a:prstGeom prst="rect">
+                  <a:avLst/>
+                </a:prstGeom>
+              </p:spPr>
+            </p:pic>
           </p:grpSp>
-          <p:pic>
-            <p:nvPicPr>
-              <p:cNvPr id="8" name="Picture 7"/>
-              <p:cNvPicPr>
-                <a:picLocks noChangeAspect="1"/>
-              </p:cNvPicPr>
+        </p:grpSp>
+        <p:pic>
+          <p:nvPicPr>
+            <p:cNvPr id="8" name="Picture 7"/>
+            <p:cNvPicPr>
+              <a:picLocks noChangeAspect="1"/>
+            </p:cNvPicPr>
+            <p:nvPr/>
+          </p:nvPicPr>
+          <p:blipFill>
+            <a:blip r:embed="rId4">
+              <a:extLst>
+                <a:ext uri="{28A0092B-C50C-407E-A947-70E740481C1C}">
+                  <a14:useLocalDpi xmlns:a14="http://schemas.microsoft.com/office/drawing/2010/main" val="0"/>
+                </a:ext>
+              </a:extLst>
+            </a:blip>
+            <a:stretch>
+              <a:fillRect/>
+            </a:stretch>
+          </p:blipFill>
+          <p:spPr>
+            <a:xfrm>
+              <a:off x="5404934" y="2570158"/>
+              <a:ext cx="368408" cy="368408"/>
+            </a:xfrm>
+            <a:prstGeom prst="rect">
+              <a:avLst/>
+            </a:prstGeom>
+            <a:solidFill>
+              <a:schemeClr val="bg1"/>
+            </a:solidFill>
+          </p:spPr>
+        </p:pic>
+        <p:sp>
+          <p:nvSpPr>
+            <p:cNvPr id="30" name="TextBox 29"/>
+            <p:cNvSpPr txBox="1"/>
+            <p:nvPr/>
+          </p:nvSpPr>
+          <p:spPr>
+            <a:xfrm>
+              <a:off x="5636564" y="2487197"/>
+              <a:ext cx="1463892" cy="207512"/>
+            </a:xfrm>
+            <a:prstGeom prst="rect">
+              <a:avLst/>
+            </a:prstGeom>
+            <a:noFill/>
+          </p:spPr>
+          <p:txBody>
+            <a:bodyPr wrap="square" rtlCol="0">
+              <a:spAutoFit/>
+            </a:bodyPr>
+            <a:lstStyle/>
+            <a:p>
+              <a:r>
+                <a:rPr lang="en-US" sz="700" dirty="0">
+                  <a:latin typeface="Segoe UI Light" panose="020B0502040204020203" pitchFamily="34" charset="0"/>
+                  <a:cs typeface="Segoe UI Light" panose="020B0502040204020203" pitchFamily="34" charset="0"/>
+                </a:rPr>
+                <a:t>cognitive-</a:t>
+              </a:r>
+              <a:r>
+                <a:rPr lang="en-US" sz="700" dirty="0" err="1">
+                  <a:latin typeface="Segoe UI Light" panose="020B0502040204020203" pitchFamily="34" charset="0"/>
+                  <a:cs typeface="Segoe UI Light" panose="020B0502040204020203" pitchFamily="34" charset="0"/>
+                </a:rPr>
+                <a:t>textanalytics</a:t>
+              </a:r>
+              <a:r>
+                <a:rPr lang="en-US" sz="700" dirty="0">
+                  <a:latin typeface="Segoe UI Light" panose="020B0502040204020203" pitchFamily="34" charset="0"/>
+                  <a:cs typeface="Segoe UI Light" panose="020B0502040204020203" pitchFamily="34" charset="0"/>
+                </a:rPr>
+                <a:t>-windows</a:t>
+              </a:r>
+            </a:p>
+          </p:txBody>
+        </p:sp>
+        <p:grpSp>
+          <p:nvGrpSpPr>
+            <p:cNvPr id="33" name="Group 32"/>
+            <p:cNvGrpSpPr/>
+            <p:nvPr/>
+          </p:nvGrpSpPr>
+          <p:grpSpPr>
+            <a:xfrm>
+              <a:off x="6589300" y="2796608"/>
+              <a:ext cx="549472" cy="865562"/>
+              <a:chOff x="6550983" y="4010891"/>
+              <a:chExt cx="549472" cy="865562"/>
+            </a:xfrm>
+          </p:grpSpPr>
+          <p:sp>
+            <p:nvSpPr>
+              <p:cNvPr id="34" name="Rectangle 33"/>
+              <p:cNvSpPr/>
               <p:nvPr/>
-            </p:nvPicPr>
-            <p:blipFill>
-              <a:blip r:embed="rId4">
-                <a:extLst>
-                  <a:ext uri="{28A0092B-C50C-407E-A947-70E740481C1C}">
-                    <a14:useLocalDpi xmlns:a14="http://schemas.microsoft.com/office/drawing/2010/main" val="0"/>
-                  </a:ext>
-                </a:extLst>
-              </a:blip>
-              <a:stretch>
-                <a:fillRect/>
-              </a:stretch>
-            </p:blipFill>
+            </p:nvSpPr>
             <p:spPr>
               <a:xfrm>
-                <a:off x="5404934" y="2570158"/>
-                <a:ext cx="368408" cy="368408"/>
+                <a:off x="6550983" y="4010891"/>
+                <a:ext cx="549472" cy="865562"/>
               </a:xfrm>
               <a:prstGeom prst="rect">
                 <a:avLst/>
@@ -11903,222 +11952,9 @@
               <a:solidFill>
                 <a:schemeClr val="bg1"/>
               </a:solidFill>
-            </p:spPr>
-          </p:pic>
-          <p:sp>
-            <p:nvSpPr>
-              <p:cNvPr id="30" name="TextBox 29"/>
-              <p:cNvSpPr txBox="1"/>
-              <p:nvPr/>
-            </p:nvSpPr>
-            <p:spPr>
-              <a:xfrm>
-                <a:off x="5636564" y="2487197"/>
-                <a:ext cx="1463892" cy="207512"/>
-              </a:xfrm>
-              <a:prstGeom prst="rect">
-                <a:avLst/>
-              </a:prstGeom>
-              <a:noFill/>
-            </p:spPr>
-            <p:txBody>
-              <a:bodyPr wrap="square" rtlCol="0">
-                <a:spAutoFit/>
-              </a:bodyPr>
-              <a:lstStyle/>
-              <a:p>
-                <a:r>
-                  <a:rPr lang="en-US" sz="700" dirty="0">
-                    <a:latin typeface="Segoe UI Light" panose="020B0502040204020203" pitchFamily="34" charset="0"/>
-                    <a:cs typeface="Segoe UI Light" panose="020B0502040204020203" pitchFamily="34" charset="0"/>
-                  </a:rPr>
-                  <a:t>cognitive-</a:t>
-                </a:r>
-                <a:r>
-                  <a:rPr lang="en-US" sz="700" dirty="0" err="1">
-                    <a:latin typeface="Segoe UI Light" panose="020B0502040204020203" pitchFamily="34" charset="0"/>
-                    <a:cs typeface="Segoe UI Light" panose="020B0502040204020203" pitchFamily="34" charset="0"/>
-                  </a:rPr>
-                  <a:t>textanalytics</a:t>
-                </a:r>
-                <a:r>
-                  <a:rPr lang="en-US" sz="700" dirty="0">
-                    <a:latin typeface="Segoe UI Light" panose="020B0502040204020203" pitchFamily="34" charset="0"/>
-                    <a:cs typeface="Segoe UI Light" panose="020B0502040204020203" pitchFamily="34" charset="0"/>
-                  </a:rPr>
-                  <a:t>-windows</a:t>
-                </a:r>
-              </a:p>
-            </p:txBody>
-          </p:sp>
-          <p:grpSp>
-            <p:nvGrpSpPr>
-              <p:cNvPr id="33" name="Group 32"/>
-              <p:cNvGrpSpPr/>
-              <p:nvPr/>
-            </p:nvGrpSpPr>
-            <p:grpSpPr>
-              <a:xfrm>
-                <a:off x="6589300" y="2796608"/>
-                <a:ext cx="549472" cy="865562"/>
-                <a:chOff x="6550983" y="4010891"/>
-                <a:chExt cx="549472" cy="865562"/>
-              </a:xfrm>
-            </p:grpSpPr>
-            <p:sp>
-              <p:nvSpPr>
-                <p:cNvPr id="34" name="Rectangle 33"/>
-                <p:cNvSpPr/>
-                <p:nvPr/>
-              </p:nvSpPr>
-              <p:spPr>
-                <a:xfrm>
-                  <a:off x="6550983" y="4010891"/>
-                  <a:ext cx="549472" cy="865562"/>
-                </a:xfrm>
-                <a:prstGeom prst="rect">
-                  <a:avLst/>
-                </a:prstGeom>
-                <a:solidFill>
-                  <a:schemeClr val="bg1"/>
-                </a:solidFill>
-                <a:ln>
-                  <a:solidFill>
-                    <a:schemeClr val="tx1"/>
-                  </a:solidFill>
-                </a:ln>
-              </p:spPr>
-              <p:style>
-                <a:lnRef idx="2">
-                  <a:schemeClr val="accent1">
-                    <a:shade val="50000"/>
-                  </a:schemeClr>
-                </a:lnRef>
-                <a:fillRef idx="1">
-                  <a:schemeClr val="accent1"/>
-                </a:fillRef>
-                <a:effectRef idx="0">
-                  <a:schemeClr val="accent1"/>
-                </a:effectRef>
-                <a:fontRef idx="minor">
-                  <a:schemeClr val="lt1"/>
-                </a:fontRef>
-              </p:style>
-              <p:txBody>
-                <a:bodyPr rtlCol="0" anchor="ctr"/>
-                <a:lstStyle/>
-                <a:p>
-                  <a:pPr algn="ctr"/>
-                  <a:endParaRPr lang="en-US"/>
-                </a:p>
-              </p:txBody>
-            </p:sp>
-            <p:grpSp>
-              <p:nvGrpSpPr>
-                <p:cNvPr id="35" name="Group 34"/>
-                <p:cNvGrpSpPr/>
-                <p:nvPr/>
-              </p:nvGrpSpPr>
-              <p:grpSpPr>
-                <a:xfrm>
-                  <a:off x="6550983" y="4112517"/>
-                  <a:ext cx="549472" cy="763936"/>
-                  <a:chOff x="4677058" y="2768684"/>
-                  <a:chExt cx="549472" cy="763936"/>
-                </a:xfrm>
-              </p:grpSpPr>
-              <p:sp>
-                <p:nvSpPr>
-                  <p:cNvPr id="36" name="TextBox 35"/>
-                  <p:cNvSpPr txBox="1"/>
-                  <p:nvPr/>
-                </p:nvSpPr>
-                <p:spPr>
-                  <a:xfrm>
-                    <a:off x="4677058" y="3317176"/>
-                    <a:ext cx="549472" cy="215444"/>
-                  </a:xfrm>
-                  <a:prstGeom prst="rect">
-                    <a:avLst/>
-                  </a:prstGeom>
-                  <a:noFill/>
-                </p:spPr>
-                <p:txBody>
-                  <a:bodyPr wrap="square" rtlCol="0">
-                    <a:spAutoFit/>
-                  </a:bodyPr>
-                  <a:lstStyle/>
-                  <a:p>
-                    <a:pPr algn="ctr"/>
-                    <a:r>
-                      <a:rPr lang="en-US" sz="800" dirty="0">
-                        <a:latin typeface="Segoe UI Light" panose="020B0502040204020203" pitchFamily="34" charset="0"/>
-                        <a:cs typeface="Segoe UI Light" panose="020B0502040204020203" pitchFamily="34" charset="0"/>
-                      </a:rPr>
-                      <a:t>master</a:t>
-                    </a:r>
-                  </a:p>
-                </p:txBody>
-              </p:sp>
-              <p:pic>
-                <p:nvPicPr>
-                  <p:cNvPr id="37" name="Picture 36"/>
-                  <p:cNvPicPr>
-                    <a:picLocks noChangeAspect="1"/>
-                  </p:cNvPicPr>
-                  <p:nvPr/>
-                </p:nvPicPr>
-                <p:blipFill>
-                  <a:blip r:embed="rId3"/>
-                  <a:stretch>
-                    <a:fillRect/>
-                  </a:stretch>
-                </p:blipFill>
-                <p:spPr>
-                  <a:xfrm>
-                    <a:off x="4780694" y="2768684"/>
-                    <a:ext cx="342201" cy="548986"/>
-                  </a:xfrm>
-                  <a:prstGeom prst="rect">
-                    <a:avLst/>
-                  </a:prstGeom>
-                </p:spPr>
-              </p:pic>
-            </p:grpSp>
-          </p:grpSp>
-        </p:grpSp>
-        <p:grpSp>
-          <p:nvGrpSpPr>
-            <p:cNvPr id="57" name="Group 56"/>
-            <p:cNvGrpSpPr/>
-            <p:nvPr/>
-          </p:nvGrpSpPr>
-          <p:grpSpPr>
-            <a:xfrm>
-              <a:off x="9252683" y="2487197"/>
-              <a:ext cx="2627588" cy="1276872"/>
-              <a:chOff x="8650012" y="2487197"/>
-              <a:chExt cx="2627588" cy="1276872"/>
-            </a:xfrm>
-          </p:grpSpPr>
-          <p:sp>
-            <p:nvSpPr>
-              <p:cNvPr id="38" name="Rectangle 37"/>
-              <p:cNvSpPr/>
-              <p:nvPr/>
-            </p:nvSpPr>
-            <p:spPr>
-              <a:xfrm>
-                <a:off x="8747735" y="2694709"/>
-                <a:ext cx="2529865" cy="1069360"/>
-              </a:xfrm>
-              <a:prstGeom prst="rect">
-                <a:avLst/>
-              </a:prstGeom>
-              <a:noFill/>
               <a:ln>
                 <a:solidFill>
-                  <a:srgbClr val="0079D6"/>
+                  <a:schemeClr val="tx1"/>
                 </a:solidFill>
               </a:ln>
             </p:spPr>
@@ -12147,421 +11983,116 @@
               </a:p>
             </p:txBody>
           </p:sp>
-          <p:pic>
-            <p:nvPicPr>
-              <p:cNvPr id="44" name="Picture 43"/>
-              <p:cNvPicPr>
-                <a:picLocks noChangeAspect="1"/>
-              </p:cNvPicPr>
-              <p:nvPr/>
-            </p:nvPicPr>
-            <p:blipFill>
-              <a:blip r:embed="rId4">
-                <a:extLst>
-                  <a:ext uri="{28A0092B-C50C-407E-A947-70E740481C1C}">
-                    <a14:useLocalDpi xmlns:a14="http://schemas.microsoft.com/office/drawing/2010/main" val="0"/>
-                  </a:ext>
-                </a:extLst>
-              </a:blip>
-              <a:stretch>
-                <a:fillRect/>
-              </a:stretch>
-            </p:blipFill>
-            <p:spPr>
-              <a:xfrm>
-                <a:off x="8650012" y="2570158"/>
-                <a:ext cx="368408" cy="368408"/>
-              </a:xfrm>
-              <a:prstGeom prst="rect">
-                <a:avLst/>
-              </a:prstGeom>
-              <a:solidFill>
-                <a:schemeClr val="bg1"/>
-              </a:solidFill>
-            </p:spPr>
-          </p:pic>
-          <p:sp>
-            <p:nvSpPr>
-              <p:cNvPr id="45" name="TextBox 44"/>
-              <p:cNvSpPr txBox="1"/>
-              <p:nvPr/>
-            </p:nvSpPr>
-            <p:spPr>
-              <a:xfrm>
-                <a:off x="8881642" y="2487197"/>
-                <a:ext cx="1463892" cy="207512"/>
-              </a:xfrm>
-              <a:prstGeom prst="rect">
-                <a:avLst/>
-              </a:prstGeom>
-              <a:noFill/>
-            </p:spPr>
-            <p:txBody>
-              <a:bodyPr wrap="square" rtlCol="0">
-                <a:spAutoFit/>
-              </a:bodyPr>
-              <a:lstStyle/>
-              <a:p>
-                <a:r>
-                  <a:rPr lang="en-US" sz="700" dirty="0">
-                    <a:latin typeface="Segoe UI Light" panose="020B0502040204020203" pitchFamily="34" charset="0"/>
-                    <a:cs typeface="Segoe UI Light" panose="020B0502040204020203" pitchFamily="34" charset="0"/>
-                  </a:rPr>
-                  <a:t>oxford-docs</a:t>
-                </a:r>
-              </a:p>
-            </p:txBody>
-          </p:sp>
           <p:grpSp>
             <p:nvGrpSpPr>
-              <p:cNvPr id="53" name="Group 52"/>
+              <p:cNvPr id="35" name="Group 34"/>
               <p:cNvGrpSpPr/>
               <p:nvPr/>
             </p:nvGrpSpPr>
             <p:grpSpPr>
               <a:xfrm>
-                <a:off x="9026092" y="2794751"/>
-                <a:ext cx="2137532" cy="865562"/>
-                <a:chOff x="8055601" y="4223626"/>
-                <a:chExt cx="2137532" cy="865562"/>
+                <a:off x="6550983" y="4112517"/>
+                <a:ext cx="549472" cy="763936"/>
+                <a:chOff x="4677058" y="2768684"/>
+                <a:chExt cx="549472" cy="763936"/>
               </a:xfrm>
             </p:grpSpPr>
             <p:sp>
               <p:nvSpPr>
-                <p:cNvPr id="47" name="Rectangle 46"/>
-                <p:cNvSpPr/>
+                <p:cNvPr id="36" name="TextBox 35"/>
+                <p:cNvSpPr txBox="1"/>
                 <p:nvPr/>
               </p:nvSpPr>
               <p:spPr>
                 <a:xfrm>
-                  <a:off x="8055601" y="4223626"/>
-                  <a:ext cx="2137532" cy="865562"/>
+                  <a:off x="4677058" y="3317176"/>
+                  <a:ext cx="549472" cy="215444"/>
                 </a:xfrm>
                 <a:prstGeom prst="rect">
                   <a:avLst/>
                 </a:prstGeom>
-                <a:solidFill>
-                  <a:schemeClr val="bg1"/>
-                </a:solidFill>
-                <a:ln>
-                  <a:solidFill>
-                    <a:schemeClr val="tx1"/>
-                  </a:solidFill>
-                </a:ln>
+                <a:noFill/>
               </p:spPr>
-              <p:style>
-                <a:lnRef idx="2">
-                  <a:schemeClr val="accent1">
-                    <a:shade val="50000"/>
-                  </a:schemeClr>
-                </a:lnRef>
-                <a:fillRef idx="1">
-                  <a:schemeClr val="accent1"/>
-                </a:fillRef>
-                <a:effectRef idx="0">
-                  <a:schemeClr val="accent1"/>
-                </a:effectRef>
-                <a:fontRef idx="minor">
-                  <a:schemeClr val="lt1"/>
-                </a:fontRef>
-              </p:style>
               <p:txBody>
-                <a:bodyPr rtlCol="0" anchor="ctr"/>
+                <a:bodyPr wrap="square" rtlCol="0">
+                  <a:spAutoFit/>
+                </a:bodyPr>
                 <a:lstStyle/>
                 <a:p>
                   <a:pPr algn="ctr"/>
-                  <a:endParaRPr lang="en-US"/>
+                  <a:r>
+                    <a:rPr lang="en-US" sz="800" dirty="0">
+                      <a:latin typeface="Segoe UI Light" panose="020B0502040204020203" pitchFamily="34" charset="0"/>
+                      <a:cs typeface="Segoe UI Light" panose="020B0502040204020203" pitchFamily="34" charset="0"/>
+                    </a:rPr>
+                    <a:t>master</a:t>
+                  </a:r>
                 </a:p>
               </p:txBody>
             </p:sp>
-            <p:grpSp>
-              <p:nvGrpSpPr>
-                <p:cNvPr id="51" name="Group 50"/>
-                <p:cNvGrpSpPr/>
+            <p:pic>
+              <p:nvPicPr>
+                <p:cNvPr id="37" name="Picture 36" descr="nintendo, thing&#10;&#10;Description generated with very high confidence"/>
+                <p:cNvPicPr>
+                  <a:picLocks noChangeAspect="1"/>
+                </p:cNvPicPr>
                 <p:nvPr/>
-              </p:nvGrpSpPr>
-              <p:grpSpPr>
+              </p:nvPicPr>
+              <p:blipFill>
+                <a:blip r:embed="rId3"/>
+                <a:stretch>
+                  <a:fillRect/>
+                </a:stretch>
+              </p:blipFill>
+              <p:spPr>
                 <a:xfrm>
-                  <a:off x="8191449" y="4274439"/>
-                  <a:ext cx="1883201" cy="763936"/>
-                  <a:chOff x="8212230" y="4274439"/>
-                  <a:chExt cx="1883201" cy="763936"/>
+                  <a:off x="4780694" y="2768684"/>
+                  <a:ext cx="342201" cy="548986"/>
                 </a:xfrm>
-              </p:grpSpPr>
-              <p:grpSp>
-                <p:nvGrpSpPr>
-                  <p:cNvPr id="48" name="Group 47"/>
-                  <p:cNvGrpSpPr/>
-                  <p:nvPr/>
-                </p:nvGrpSpPr>
-                <p:grpSpPr>
-                  <a:xfrm>
-                    <a:off x="8212230" y="4274439"/>
-                    <a:ext cx="549472" cy="763936"/>
-                    <a:chOff x="4677058" y="2768684"/>
-                    <a:chExt cx="549472" cy="763936"/>
-                  </a:xfrm>
-                </p:grpSpPr>
-                <p:sp>
-                  <p:nvSpPr>
-                    <p:cNvPr id="49" name="TextBox 48"/>
-                    <p:cNvSpPr txBox="1"/>
-                    <p:nvPr/>
-                  </p:nvSpPr>
-                  <p:spPr>
-                    <a:xfrm>
-                      <a:off x="4677058" y="3317176"/>
-                      <a:ext cx="549472" cy="215444"/>
-                    </a:xfrm>
-                    <a:prstGeom prst="rect">
-                      <a:avLst/>
-                    </a:prstGeom>
-                    <a:noFill/>
-                  </p:spPr>
-                  <p:txBody>
-                    <a:bodyPr wrap="square" rtlCol="0">
-                      <a:spAutoFit/>
-                    </a:bodyPr>
-                    <a:lstStyle/>
-                    <a:p>
-                      <a:pPr algn="ctr"/>
-                      <a:r>
-                        <a:rPr lang="en-US" sz="800" dirty="0">
-                          <a:latin typeface="Segoe UI Light" panose="020B0502040204020203" pitchFamily="34" charset="0"/>
-                          <a:cs typeface="Segoe UI Light" panose="020B0502040204020203" pitchFamily="34" charset="0"/>
-                        </a:rPr>
-                        <a:t>master</a:t>
-                      </a:r>
-                    </a:p>
-                  </p:txBody>
-                </p:sp>
-                <p:pic>
-                  <p:nvPicPr>
-                    <p:cNvPr id="50" name="Picture 49"/>
-                    <p:cNvPicPr>
-                      <a:picLocks noChangeAspect="1"/>
-                    </p:cNvPicPr>
-                    <p:nvPr/>
-                  </p:nvPicPr>
-                  <p:blipFill>
-                    <a:blip r:embed="rId3"/>
-                    <a:stretch>
-                      <a:fillRect/>
-                    </a:stretch>
-                  </p:blipFill>
-                  <p:spPr>
-                    <a:xfrm>
-                      <a:off x="4780694" y="2768684"/>
-                      <a:ext cx="342201" cy="548986"/>
-                    </a:xfrm>
-                    <a:prstGeom prst="rect">
-                      <a:avLst/>
-                    </a:prstGeom>
-                  </p:spPr>
-                </p:pic>
-              </p:grpSp>
-              <p:grpSp>
-                <p:nvGrpSpPr>
-                  <p:cNvPr id="32" name="Group 31"/>
-                  <p:cNvGrpSpPr/>
-                  <p:nvPr/>
-                </p:nvGrpSpPr>
-                <p:grpSpPr>
-                  <a:xfrm>
-                    <a:off x="9526269" y="4371827"/>
-                    <a:ext cx="569162" cy="569161"/>
-                    <a:chOff x="4022301" y="4134457"/>
-                    <a:chExt cx="569162" cy="569161"/>
-                  </a:xfrm>
-                </p:grpSpPr>
-                <p:pic>
-                  <p:nvPicPr>
-                    <p:cNvPr id="31" name="Picture 30"/>
-                    <p:cNvPicPr>
-                      <a:picLocks noChangeAspect="1"/>
-                    </p:cNvPicPr>
-                    <p:nvPr/>
-                  </p:nvPicPr>
-                  <p:blipFill>
-                    <a:blip r:embed="rId5">
-                      <a:extLst>
-                        <a:ext uri="{28A0092B-C50C-407E-A947-70E740481C1C}">
-                          <a14:useLocalDpi xmlns:a14="http://schemas.microsoft.com/office/drawing/2010/main" val="0"/>
-                        </a:ext>
-                      </a:extLst>
-                    </a:blip>
-                    <a:stretch>
-                      <a:fillRect/>
-                    </a:stretch>
-                  </p:blipFill>
-                  <p:spPr>
-                    <a:xfrm>
-                      <a:off x="4022302" y="4134457"/>
-                      <a:ext cx="569161" cy="569161"/>
-                    </a:xfrm>
-                    <a:prstGeom prst="rect">
-                      <a:avLst/>
-                    </a:prstGeom>
-                  </p:spPr>
-                </p:pic>
-                <p:sp>
-                  <p:nvSpPr>
-                    <p:cNvPr id="52" name="TextBox 51"/>
-                    <p:cNvSpPr txBox="1"/>
-                    <p:nvPr/>
-                  </p:nvSpPr>
-                  <p:spPr>
-                    <a:xfrm>
-                      <a:off x="4022301" y="4311315"/>
-                      <a:ext cx="569162" cy="215444"/>
-                    </a:xfrm>
-                    <a:prstGeom prst="rect">
-                      <a:avLst/>
-                    </a:prstGeom>
-                    <a:noFill/>
-                  </p:spPr>
-                  <p:txBody>
-                    <a:bodyPr wrap="square" rtlCol="0">
-                      <a:spAutoFit/>
-                    </a:bodyPr>
-                    <a:lstStyle/>
-                    <a:p>
-                      <a:pPr algn="ctr"/>
-                      <a:r>
-                        <a:rPr lang="en-US" sz="800" dirty="0">
-                          <a:solidFill>
-                            <a:schemeClr val="bg1"/>
-                          </a:solidFill>
-                          <a:latin typeface="Segoe UI Light" panose="020B0502040204020203" pitchFamily="34" charset="0"/>
-                          <a:cs typeface="Segoe UI Light" panose="020B0502040204020203" pitchFamily="34" charset="0"/>
-                        </a:rPr>
-                        <a:t>master</a:t>
-                      </a:r>
-                    </a:p>
-                  </p:txBody>
-                </p:sp>
-              </p:grpSp>
-              <p:grpSp>
-                <p:nvGrpSpPr>
-                  <p:cNvPr id="54" name="Group 53"/>
-                  <p:cNvGrpSpPr/>
-                  <p:nvPr/>
-                </p:nvGrpSpPr>
-                <p:grpSpPr>
-                  <a:xfrm>
-                    <a:off x="8859405" y="4371827"/>
-                    <a:ext cx="569162" cy="569161"/>
-                    <a:chOff x="4022301" y="4134457"/>
-                    <a:chExt cx="569162" cy="569161"/>
-                  </a:xfrm>
-                </p:grpSpPr>
-                <p:pic>
-                  <p:nvPicPr>
-                    <p:cNvPr id="55" name="Picture 54"/>
-                    <p:cNvPicPr>
-                      <a:picLocks noChangeAspect="1"/>
-                    </p:cNvPicPr>
-                    <p:nvPr/>
-                  </p:nvPicPr>
-                  <p:blipFill>
-                    <a:blip r:embed="rId5">
-                      <a:extLst>
-                        <a:ext uri="{28A0092B-C50C-407E-A947-70E740481C1C}">
-                          <a14:useLocalDpi xmlns:a14="http://schemas.microsoft.com/office/drawing/2010/main" val="0"/>
-                        </a:ext>
-                      </a:extLst>
-                    </a:blip>
-                    <a:stretch>
-                      <a:fillRect/>
-                    </a:stretch>
-                  </p:blipFill>
-                  <p:spPr>
-                    <a:xfrm>
-                      <a:off x="4022302" y="4134457"/>
-                      <a:ext cx="569161" cy="569161"/>
-                    </a:xfrm>
-                    <a:prstGeom prst="rect">
-                      <a:avLst/>
-                    </a:prstGeom>
-                  </p:spPr>
-                </p:pic>
-                <p:sp>
-                  <p:nvSpPr>
-                    <p:cNvPr id="56" name="TextBox 55"/>
-                    <p:cNvSpPr txBox="1"/>
-                    <p:nvPr/>
-                  </p:nvSpPr>
-                  <p:spPr>
-                    <a:xfrm>
-                      <a:off x="4022301" y="4311315"/>
-                      <a:ext cx="569162" cy="215444"/>
-                    </a:xfrm>
-                    <a:prstGeom prst="rect">
-                      <a:avLst/>
-                    </a:prstGeom>
-                    <a:noFill/>
-                  </p:spPr>
-                  <p:txBody>
-                    <a:bodyPr wrap="square" rtlCol="0">
-                      <a:spAutoFit/>
-                    </a:bodyPr>
-                    <a:lstStyle/>
-                    <a:p>
-                      <a:pPr algn="ctr"/>
-                      <a:r>
-                        <a:rPr lang="en-US" sz="800" dirty="0">
-                          <a:solidFill>
-                            <a:schemeClr val="bg1"/>
-                          </a:solidFill>
-                          <a:latin typeface="Segoe UI Light" panose="020B0502040204020203" pitchFamily="34" charset="0"/>
-                          <a:cs typeface="Segoe UI Light" panose="020B0502040204020203" pitchFamily="34" charset="0"/>
-                        </a:rPr>
-                        <a:t>develop</a:t>
-                      </a:r>
-                    </a:p>
-                  </p:txBody>
-                </p:sp>
-              </p:grpSp>
-            </p:grpSp>
+                <a:prstGeom prst="rect">
+                  <a:avLst/>
+                </a:prstGeom>
+              </p:spPr>
+            </p:pic>
           </p:grpSp>
         </p:grpSp>
-        <p:sp>
-          <p:nvSpPr>
-            <p:cNvPr id="62" name="TextBox 61"/>
-            <p:cNvSpPr txBox="1"/>
-            <p:nvPr/>
-          </p:nvSpPr>
-          <p:spPr>
-            <a:xfrm>
-              <a:off x="11078650" y="4002201"/>
-              <a:ext cx="559317" cy="215444"/>
-            </a:xfrm>
-            <a:prstGeom prst="rect">
-              <a:avLst/>
-            </a:prstGeom>
-            <a:noFill/>
-          </p:spPr>
-          <p:txBody>
-            <a:bodyPr wrap="square" rtlCol="0">
-              <a:spAutoFit/>
-            </a:bodyPr>
-            <a:lstStyle/>
-            <a:p>
-              <a:pPr algn="r"/>
-              <a:r>
-                <a:rPr lang="en-US" sz="800" dirty="0">
-                  <a:solidFill>
-                    <a:srgbClr val="0079D6"/>
-                  </a:solidFill>
-                  <a:latin typeface="Segoe UI Light" panose="020B0502040204020203" pitchFamily="34" charset="0"/>
-                  <a:cs typeface="Segoe UI Light" panose="020B0502040204020203" pitchFamily="34" charset="0"/>
-                </a:rPr>
-                <a:t>GitHub</a:t>
-              </a:r>
-            </a:p>
-          </p:txBody>
-        </p:sp>
       </p:grpSp>
+      <p:sp>
+        <p:nvSpPr>
+          <p:cNvPr id="62" name="TextBox 61"/>
+          <p:cNvSpPr txBox="1"/>
+          <p:nvPr/>
+        </p:nvSpPr>
+        <p:spPr>
+          <a:xfrm>
+            <a:off x="8487214" y="4650392"/>
+            <a:ext cx="559317" cy="215444"/>
+          </a:xfrm>
+          <a:prstGeom prst="rect">
+            <a:avLst/>
+          </a:prstGeom>
+          <a:noFill/>
+        </p:spPr>
+        <p:txBody>
+          <a:bodyPr wrap="square" rtlCol="0">
+            <a:spAutoFit/>
+          </a:bodyPr>
+          <a:lstStyle/>
+          <a:p>
+            <a:pPr algn="r"/>
+            <a:r>
+              <a:rPr lang="en-US" sz="800" dirty="0">
+                <a:solidFill>
+                  <a:srgbClr val="0079D6"/>
+                </a:solidFill>
+                <a:latin typeface="Segoe UI Light" panose="020B0502040204020203" pitchFamily="34" charset="0"/>
+                <a:cs typeface="Segoe UI Light" panose="020B0502040204020203" pitchFamily="34" charset="0"/>
+              </a:rPr>
+              <a:t>GitHub</a:t>
+            </a:r>
+          </a:p>
+        </p:txBody>
+      </p:sp>
       <p:grpSp>
         <p:nvGrpSpPr>
           <p:cNvPr id="66" name="Group 65"/>
@@ -12627,14 +12158,14 @@
         </p:sp>
         <p:pic>
           <p:nvPicPr>
-            <p:cNvPr id="16" name="Picture 15"/>
+            <p:cNvPr id="16" name="Picture 15" descr="nintendo&#10;&#10;Description generated with very high confidence"/>
             <p:cNvPicPr>
               <a:picLocks noChangeAspect="1"/>
             </p:cNvPicPr>
             <p:nvPr/>
           </p:nvPicPr>
           <p:blipFill>
-            <a:blip r:embed="rId6"/>
+            <a:blip r:embed="rId5"/>
             <a:stretch>
               <a:fillRect/>
             </a:stretch>
@@ -12651,14 +12182,14 @@
         </p:pic>
         <p:pic>
           <p:nvPicPr>
-            <p:cNvPr id="63" name="Picture 62"/>
+            <p:cNvPr id="63" name="Picture 62" descr="abstract, screenshot, nintendo&#10;&#10;Description generated with very high confidence"/>
             <p:cNvPicPr>
               <a:picLocks noChangeAspect="1"/>
             </p:cNvPicPr>
             <p:nvPr/>
           </p:nvPicPr>
           <p:blipFill>
-            <a:blip r:embed="rId7"/>
+            <a:blip r:embed="rId6"/>
             <a:stretch>
               <a:fillRect/>
             </a:stretch>
@@ -13095,7 +12626,7 @@
             <p:nvPr/>
           </p:nvPicPr>
           <p:blipFill>
-            <a:blip r:embed="rId8">
+            <a:blip r:embed="rId7">
               <a:extLst>
                 <a:ext uri="{28A0092B-C50C-407E-A947-70E740481C1C}">
                   <a14:useLocalDpi xmlns:a14="http://schemas.microsoft.com/office/drawing/2010/main" val="0"/>
@@ -13157,30 +12688,663 @@
           </p:txBody>
         </p:sp>
       </p:grpSp>
+      <p:sp>
+        <p:nvSpPr>
+          <p:cNvPr id="1030" name="Rectangle 1029"/>
+          <p:cNvSpPr/>
+          <p:nvPr/>
+        </p:nvSpPr>
+        <p:spPr>
+          <a:xfrm>
+            <a:off x="5091917" y="135347"/>
+            <a:ext cx="3153001" cy="2357931"/>
+          </a:xfrm>
+          <a:prstGeom prst="rect">
+            <a:avLst/>
+          </a:prstGeom>
+          <a:solidFill>
+            <a:schemeClr val="bg1"/>
+          </a:solidFill>
+          <a:ln>
+            <a:solidFill>
+              <a:srgbClr val="0079D6"/>
+            </a:solidFill>
+            <a:prstDash val="sysDot"/>
+          </a:ln>
+        </p:spPr>
+        <p:style>
+          <a:lnRef idx="2">
+            <a:schemeClr val="accent1">
+              <a:shade val="50000"/>
+            </a:schemeClr>
+          </a:lnRef>
+          <a:fillRef idx="1">
+            <a:schemeClr val="accent1"/>
+          </a:fillRef>
+          <a:effectRef idx="0">
+            <a:schemeClr val="accent1"/>
+          </a:effectRef>
+          <a:fontRef idx="minor">
+            <a:schemeClr val="lt1"/>
+          </a:fontRef>
+        </p:style>
+        <p:txBody>
+          <a:bodyPr rtlCol="0" anchor="ctr"/>
+          <a:lstStyle/>
+          <a:p>
+            <a:pPr algn="ctr"/>
+            <a:endParaRPr lang="en-US"/>
+          </a:p>
+        </p:txBody>
+      </p:sp>
+      <p:pic>
+        <p:nvPicPr>
+          <p:cNvPr id="61" name="Picture 60"/>
+          <p:cNvPicPr>
+            <a:picLocks noChangeAspect="1"/>
+          </p:cNvPicPr>
+          <p:nvPr/>
+        </p:nvPicPr>
+        <p:blipFill>
+          <a:blip r:embed="rId8">
+            <a:extLst>
+              <a:ext uri="{28A0092B-C50C-407E-A947-70E740481C1C}">
+                <a14:useLocalDpi xmlns:a14="http://schemas.microsoft.com/office/drawing/2010/main" val="0"/>
+              </a:ext>
+            </a:extLst>
+          </a:blip>
+          <a:stretch>
+            <a:fillRect/>
+          </a:stretch>
+        </p:blipFill>
+        <p:spPr>
+          <a:xfrm>
+            <a:off x="8043236" y="2207516"/>
+            <a:ext cx="600061" cy="600061"/>
+          </a:xfrm>
+          <a:prstGeom prst="rect">
+            <a:avLst/>
+          </a:prstGeom>
+          <a:solidFill>
+            <a:schemeClr val="bg1"/>
+          </a:solidFill>
+        </p:spPr>
+      </p:pic>
+      <p:sp>
+        <p:nvSpPr>
+          <p:cNvPr id="65" name="TextBox 64"/>
+          <p:cNvSpPr txBox="1"/>
+          <p:nvPr/>
+        </p:nvSpPr>
+        <p:spPr>
+          <a:xfrm>
+            <a:off x="7584641" y="2518070"/>
+            <a:ext cx="559317" cy="215444"/>
+          </a:xfrm>
+          <a:prstGeom prst="rect">
+            <a:avLst/>
+          </a:prstGeom>
+          <a:noFill/>
+        </p:spPr>
+        <p:txBody>
+          <a:bodyPr wrap="square" rtlCol="0">
+            <a:spAutoFit/>
+          </a:bodyPr>
+          <a:lstStyle/>
+          <a:p>
+            <a:pPr algn="r"/>
+            <a:r>
+              <a:rPr lang="en-US" sz="800" dirty="0">
+                <a:solidFill>
+                  <a:srgbClr val="0079D6"/>
+                </a:solidFill>
+                <a:latin typeface="Segoe UI Light" panose="020B0502040204020203" pitchFamily="34" charset="0"/>
+                <a:cs typeface="Segoe UI Light" panose="020B0502040204020203" pitchFamily="34" charset="0"/>
+              </a:rPr>
+              <a:t>Azure</a:t>
+            </a:r>
+          </a:p>
+        </p:txBody>
+      </p:sp>
+      <p:sp>
+        <p:nvSpPr>
+          <p:cNvPr id="1027" name="Rectangle 1026"/>
+          <p:cNvSpPr/>
+          <p:nvPr/>
+        </p:nvSpPr>
+        <p:spPr>
+          <a:xfrm>
+            <a:off x="5397348" y="427172"/>
+            <a:ext cx="2588012" cy="1788550"/>
+          </a:xfrm>
+          <a:prstGeom prst="rect">
+            <a:avLst/>
+          </a:prstGeom>
+          <a:solidFill>
+            <a:schemeClr val="bg1"/>
+          </a:solidFill>
+          <a:ln>
+            <a:solidFill>
+              <a:srgbClr val="0079D6"/>
+            </a:solidFill>
+          </a:ln>
+        </p:spPr>
+        <p:style>
+          <a:lnRef idx="2">
+            <a:schemeClr val="accent1">
+              <a:shade val="50000"/>
+            </a:schemeClr>
+          </a:lnRef>
+          <a:fillRef idx="1">
+            <a:schemeClr val="accent1"/>
+          </a:fillRef>
+          <a:effectRef idx="0">
+            <a:schemeClr val="accent1"/>
+          </a:effectRef>
+          <a:fontRef idx="minor">
+            <a:schemeClr val="lt1"/>
+          </a:fontRef>
+        </p:style>
+        <p:txBody>
+          <a:bodyPr rtlCol="0" anchor="ctr"/>
+          <a:lstStyle/>
+          <a:p>
+            <a:pPr algn="ctr"/>
+            <a:endParaRPr lang="en-US"/>
+          </a:p>
+        </p:txBody>
+      </p:sp>
       <p:grpSp>
         <p:nvGrpSpPr>
-          <p:cNvPr id="1031" name="Group 1030"/>
+          <p:cNvPr id="1025" name="Group 1024"/>
           <p:cNvGrpSpPr/>
           <p:nvPr/>
         </p:nvGrpSpPr>
         <p:grpSpPr>
           <a:xfrm>
-            <a:off x="5091917" y="135347"/>
-            <a:ext cx="5186871" cy="2645496"/>
-            <a:chOff x="6061364" y="385734"/>
-            <a:chExt cx="5186871" cy="2645496"/>
+            <a:off x="5567904" y="546788"/>
+            <a:ext cx="2105274" cy="1533835"/>
+            <a:chOff x="4551835" y="1737894"/>
+            <a:chExt cx="2105274" cy="1533835"/>
           </a:xfrm>
         </p:grpSpPr>
+        <p:grpSp>
+          <p:nvGrpSpPr>
+            <p:cNvPr id="105" name="Group 104"/>
+            <p:cNvGrpSpPr/>
+            <p:nvPr/>
+          </p:nvGrpSpPr>
+          <p:grpSpPr>
+            <a:xfrm>
+              <a:off x="4888698" y="2067713"/>
+              <a:ext cx="1574447" cy="1103988"/>
+              <a:chOff x="4888698" y="2067713"/>
+              <a:chExt cx="1574447" cy="1103988"/>
+            </a:xfrm>
+          </p:grpSpPr>
+          <p:grpSp>
+            <p:nvGrpSpPr>
+              <p:cNvPr id="103" name="Group 102"/>
+              <p:cNvGrpSpPr/>
+              <p:nvPr/>
+            </p:nvGrpSpPr>
+            <p:grpSpPr>
+              <a:xfrm>
+                <a:off x="5220060" y="2417368"/>
+                <a:ext cx="549472" cy="654305"/>
+                <a:chOff x="5220060" y="2417368"/>
+                <a:chExt cx="549472" cy="654305"/>
+              </a:xfrm>
+            </p:grpSpPr>
+            <p:sp>
+              <p:nvSpPr>
+                <p:cNvPr id="100" name="Rectangle 99"/>
+                <p:cNvSpPr/>
+                <p:nvPr/>
+              </p:nvSpPr>
+              <p:spPr>
+                <a:xfrm>
+                  <a:off x="5238107" y="2417368"/>
+                  <a:ext cx="513378" cy="654305"/>
+                </a:xfrm>
+                <a:prstGeom prst="rect">
+                  <a:avLst/>
+                </a:prstGeom>
+                <a:noFill/>
+                <a:ln>
+                  <a:solidFill>
+                    <a:schemeClr val="tx1"/>
+                  </a:solidFill>
+                </a:ln>
+              </p:spPr>
+              <p:style>
+                <a:lnRef idx="2">
+                  <a:schemeClr val="accent1">
+                    <a:shade val="50000"/>
+                  </a:schemeClr>
+                </a:lnRef>
+                <a:fillRef idx="1">
+                  <a:schemeClr val="accent1"/>
+                </a:fillRef>
+                <a:effectRef idx="0">
+                  <a:schemeClr val="accent1"/>
+                </a:effectRef>
+                <a:fontRef idx="minor">
+                  <a:schemeClr val="lt1"/>
+                </a:fontRef>
+              </p:style>
+              <p:txBody>
+                <a:bodyPr rtlCol="0" anchor="ctr"/>
+                <a:lstStyle/>
+                <a:p>
+                  <a:pPr algn="ctr"/>
+                  <a:endParaRPr lang="en-US"/>
+                </a:p>
+              </p:txBody>
+            </p:sp>
+            <p:grpSp>
+              <p:nvGrpSpPr>
+                <p:cNvPr id="101" name="Group 100"/>
+                <p:cNvGrpSpPr/>
+                <p:nvPr/>
+              </p:nvGrpSpPr>
+              <p:grpSpPr>
+                <a:xfrm>
+                  <a:off x="5220060" y="2479930"/>
+                  <a:ext cx="549472" cy="529180"/>
+                  <a:chOff x="5220060" y="2517108"/>
+                  <a:chExt cx="549472" cy="529180"/>
+                </a:xfrm>
+              </p:grpSpPr>
+              <p:pic>
+                <p:nvPicPr>
+                  <p:cNvPr id="99" name="Picture 98"/>
+                  <p:cNvPicPr>
+                    <a:picLocks noChangeAspect="1"/>
+                  </p:cNvPicPr>
+                  <p:nvPr/>
+                </p:nvPicPr>
+                <p:blipFill>
+                  <a:blip r:embed="rId9">
+                    <a:grayscl/>
+                    <a:extLst>
+                      <a:ext uri="{28A0092B-C50C-407E-A947-70E740481C1C}">
+                        <a14:useLocalDpi xmlns:a14="http://schemas.microsoft.com/office/drawing/2010/main" val="0"/>
+                      </a:ext>
+                    </a:extLst>
+                  </a:blip>
+                  <a:stretch>
+                    <a:fillRect/>
+                  </a:stretch>
+                </p:blipFill>
+                <p:spPr>
+                  <a:xfrm>
+                    <a:off x="5340943" y="2517108"/>
+                    <a:ext cx="307707" cy="307707"/>
+                  </a:xfrm>
+                  <a:prstGeom prst="rect">
+                    <a:avLst/>
+                  </a:prstGeom>
+                </p:spPr>
+              </p:pic>
+              <p:sp>
+                <p:nvSpPr>
+                  <p:cNvPr id="102" name="TextBox 101"/>
+                  <p:cNvSpPr txBox="1"/>
+                  <p:nvPr/>
+                </p:nvSpPr>
+                <p:spPr>
+                  <a:xfrm>
+                    <a:off x="5220060" y="2830844"/>
+                    <a:ext cx="549472" cy="215444"/>
+                  </a:xfrm>
+                  <a:prstGeom prst="rect">
+                    <a:avLst/>
+                  </a:prstGeom>
+                  <a:noFill/>
+                </p:spPr>
+                <p:txBody>
+                  <a:bodyPr wrap="square" rtlCol="0">
+                    <a:spAutoFit/>
+                  </a:bodyPr>
+                  <a:lstStyle/>
+                  <a:p>
+                    <a:pPr algn="ctr"/>
+                    <a:r>
+                      <a:rPr lang="en-US" sz="800" dirty="0">
+                        <a:latin typeface="Segoe UI Light" panose="020B0502040204020203" pitchFamily="34" charset="0"/>
+                        <a:cs typeface="Segoe UI Light" panose="020B0502040204020203" pitchFamily="34" charset="0"/>
+                      </a:rPr>
+                      <a:t>develop</a:t>
+                    </a:r>
+                  </a:p>
+                </p:txBody>
+              </p:sp>
+            </p:grpSp>
+          </p:grpSp>
+          <p:grpSp>
+            <p:nvGrpSpPr>
+              <p:cNvPr id="106" name="Group 105"/>
+              <p:cNvGrpSpPr/>
+              <p:nvPr/>
+            </p:nvGrpSpPr>
+            <p:grpSpPr>
+              <a:xfrm>
+                <a:off x="5827417" y="2412210"/>
+                <a:ext cx="549472" cy="654305"/>
+                <a:chOff x="5220060" y="2417368"/>
+                <a:chExt cx="549472" cy="654305"/>
+              </a:xfrm>
+            </p:grpSpPr>
+            <p:sp>
+              <p:nvSpPr>
+                <p:cNvPr id="107" name="Rectangle 106"/>
+                <p:cNvSpPr/>
+                <p:nvPr/>
+              </p:nvSpPr>
+              <p:spPr>
+                <a:xfrm>
+                  <a:off x="5238107" y="2417368"/>
+                  <a:ext cx="513378" cy="654305"/>
+                </a:xfrm>
+                <a:prstGeom prst="rect">
+                  <a:avLst/>
+                </a:prstGeom>
+                <a:noFill/>
+                <a:ln>
+                  <a:solidFill>
+                    <a:schemeClr val="tx1"/>
+                  </a:solidFill>
+                </a:ln>
+              </p:spPr>
+              <p:style>
+                <a:lnRef idx="2">
+                  <a:schemeClr val="accent1">
+                    <a:shade val="50000"/>
+                  </a:schemeClr>
+                </a:lnRef>
+                <a:fillRef idx="1">
+                  <a:schemeClr val="accent1"/>
+                </a:fillRef>
+                <a:effectRef idx="0">
+                  <a:schemeClr val="accent1"/>
+                </a:effectRef>
+                <a:fontRef idx="minor">
+                  <a:schemeClr val="lt1"/>
+                </a:fontRef>
+              </p:style>
+              <p:txBody>
+                <a:bodyPr rtlCol="0" anchor="ctr"/>
+                <a:lstStyle/>
+                <a:p>
+                  <a:pPr algn="ctr"/>
+                  <a:endParaRPr lang="en-US"/>
+                </a:p>
+              </p:txBody>
+            </p:sp>
+            <p:grpSp>
+              <p:nvGrpSpPr>
+                <p:cNvPr id="108" name="Group 107"/>
+                <p:cNvGrpSpPr/>
+                <p:nvPr/>
+              </p:nvGrpSpPr>
+              <p:grpSpPr>
+                <a:xfrm>
+                  <a:off x="5220060" y="2479930"/>
+                  <a:ext cx="549472" cy="529180"/>
+                  <a:chOff x="5220060" y="2517108"/>
+                  <a:chExt cx="549472" cy="529180"/>
+                </a:xfrm>
+              </p:grpSpPr>
+              <p:pic>
+                <p:nvPicPr>
+                  <p:cNvPr id="109" name="Picture 108"/>
+                  <p:cNvPicPr>
+                    <a:picLocks noChangeAspect="1"/>
+                  </p:cNvPicPr>
+                  <p:nvPr/>
+                </p:nvPicPr>
+                <p:blipFill>
+                  <a:blip r:embed="rId9">
+                    <a:grayscl/>
+                    <a:extLst>
+                      <a:ext uri="{28A0092B-C50C-407E-A947-70E740481C1C}">
+                        <a14:useLocalDpi xmlns:a14="http://schemas.microsoft.com/office/drawing/2010/main" val="0"/>
+                      </a:ext>
+                    </a:extLst>
+                  </a:blip>
+                  <a:stretch>
+                    <a:fillRect/>
+                  </a:stretch>
+                </p:blipFill>
+                <p:spPr>
+                  <a:xfrm>
+                    <a:off x="5340943" y="2517108"/>
+                    <a:ext cx="307707" cy="307707"/>
+                  </a:xfrm>
+                  <a:prstGeom prst="rect">
+                    <a:avLst/>
+                  </a:prstGeom>
+                </p:spPr>
+              </p:pic>
+              <p:sp>
+                <p:nvSpPr>
+                  <p:cNvPr id="110" name="TextBox 109"/>
+                  <p:cNvSpPr txBox="1"/>
+                  <p:nvPr/>
+                </p:nvSpPr>
+                <p:spPr>
+                  <a:xfrm>
+                    <a:off x="5220060" y="2830844"/>
+                    <a:ext cx="549472" cy="215444"/>
+                  </a:xfrm>
+                  <a:prstGeom prst="rect">
+                    <a:avLst/>
+                  </a:prstGeom>
+                  <a:noFill/>
+                </p:spPr>
+                <p:txBody>
+                  <a:bodyPr wrap="square" rtlCol="0">
+                    <a:spAutoFit/>
+                  </a:bodyPr>
+                  <a:lstStyle/>
+                  <a:p>
+                    <a:pPr algn="ctr"/>
+                    <a:r>
+                      <a:rPr lang="en-US" sz="800" dirty="0">
+                        <a:latin typeface="Segoe UI Light" panose="020B0502040204020203" pitchFamily="34" charset="0"/>
+                        <a:cs typeface="Segoe UI Light" panose="020B0502040204020203" pitchFamily="34" charset="0"/>
+                      </a:rPr>
+                      <a:t>master</a:t>
+                    </a:r>
+                  </a:p>
+                </p:txBody>
+              </p:sp>
+            </p:grpSp>
+          </p:grpSp>
+          <p:sp>
+            <p:nvSpPr>
+              <p:cNvPr id="111" name="TextBox 110"/>
+              <p:cNvSpPr txBox="1"/>
+              <p:nvPr/>
+            </p:nvSpPr>
+            <p:spPr>
+              <a:xfrm>
+                <a:off x="5106488" y="2067713"/>
+                <a:ext cx="1176108" cy="200055"/>
+              </a:xfrm>
+              <a:prstGeom prst="rect">
+                <a:avLst/>
+              </a:prstGeom>
+              <a:noFill/>
+            </p:spPr>
+            <p:txBody>
+              <a:bodyPr wrap="square" rtlCol="0">
+                <a:spAutoFit/>
+              </a:bodyPr>
+              <a:lstStyle/>
+              <a:p>
+                <a:r>
+                  <a:rPr lang="en-US" sz="700" dirty="0" err="1">
+                    <a:latin typeface="Segoe UI Light" panose="020B0502040204020203" pitchFamily="34" charset="0"/>
+                    <a:cs typeface="Segoe UI Light" panose="020B0502040204020203" pitchFamily="34" charset="0"/>
+                  </a:rPr>
+                  <a:t>jenkins</a:t>
+                </a:r>
+                <a:endParaRPr lang="en-US" sz="700" dirty="0">
+                  <a:latin typeface="Segoe UI Light" panose="020B0502040204020203" pitchFamily="34" charset="0"/>
+                  <a:cs typeface="Segoe UI Light" panose="020B0502040204020203" pitchFamily="34" charset="0"/>
+                </a:endParaRPr>
+              </a:p>
+            </p:txBody>
+          </p:sp>
+          <p:sp>
+            <p:nvSpPr>
+              <p:cNvPr id="104" name="Rectangle 103"/>
+              <p:cNvSpPr/>
+              <p:nvPr/>
+            </p:nvSpPr>
+            <p:spPr>
+              <a:xfrm>
+                <a:off x="5054045" y="2280902"/>
+                <a:ext cx="1409100" cy="890799"/>
+              </a:xfrm>
+              <a:prstGeom prst="rect">
+                <a:avLst/>
+              </a:prstGeom>
+              <a:noFill/>
+              <a:ln>
+                <a:solidFill>
+                  <a:srgbClr val="D33833"/>
+                </a:solidFill>
+              </a:ln>
+            </p:spPr>
+            <p:style>
+              <a:lnRef idx="2">
+                <a:schemeClr val="accent1">
+                  <a:shade val="50000"/>
+                </a:schemeClr>
+              </a:lnRef>
+              <a:fillRef idx="1">
+                <a:schemeClr val="accent1"/>
+              </a:fillRef>
+              <a:effectRef idx="0">
+                <a:schemeClr val="accent1"/>
+              </a:effectRef>
+              <a:fontRef idx="minor">
+                <a:schemeClr val="lt1"/>
+              </a:fontRef>
+            </p:style>
+            <p:txBody>
+              <a:bodyPr rtlCol="0" anchor="ctr"/>
+              <a:lstStyle/>
+              <a:p>
+                <a:pPr algn="ctr"/>
+                <a:endParaRPr lang="en-US"/>
+              </a:p>
+            </p:txBody>
+          </p:sp>
+          <p:pic>
+            <p:nvPicPr>
+              <p:cNvPr id="15" name="Picture 14" descr="sign&#10;&#10;Description generated with high confidence"/>
+              <p:cNvPicPr>
+                <a:picLocks noChangeAspect="1"/>
+              </p:cNvPicPr>
+              <p:nvPr/>
+            </p:nvPicPr>
+            <p:blipFill>
+              <a:blip r:embed="rId10">
+                <a:extLst>
+                  <a:ext uri="{28A0092B-C50C-407E-A947-70E740481C1C}">
+                    <a14:useLocalDpi xmlns:a14="http://schemas.microsoft.com/office/drawing/2010/main" val="0"/>
+                  </a:ext>
+                </a:extLst>
+              </a:blip>
+              <a:stretch>
+                <a:fillRect/>
+              </a:stretch>
+            </p:blipFill>
+            <p:spPr>
+              <a:xfrm>
+                <a:off x="4888698" y="2103424"/>
+                <a:ext cx="257378" cy="355318"/>
+              </a:xfrm>
+              <a:prstGeom prst="rect">
+                <a:avLst/>
+              </a:prstGeom>
+            </p:spPr>
+          </p:pic>
+        </p:grpSp>
         <p:sp>
           <p:nvSpPr>
-            <p:cNvPr id="1030" name="Rectangle 1029"/>
+            <p:cNvPr id="112" name="Rectangle 111"/>
             <p:cNvSpPr/>
             <p:nvPr/>
           </p:nvSpPr>
           <p:spPr>
             <a:xfrm>
-              <a:off x="6061364" y="385734"/>
-              <a:ext cx="4828309" cy="2357931"/>
+              <a:off x="4720266" y="1964866"/>
+              <a:ext cx="1936843" cy="1306863"/>
+            </a:xfrm>
+            <a:prstGeom prst="rect">
+              <a:avLst/>
+            </a:prstGeom>
+            <a:noFill/>
+            <a:ln>
+              <a:solidFill>
+                <a:srgbClr val="0079D6"/>
+              </a:solidFill>
+            </a:ln>
+          </p:spPr>
+          <p:style>
+            <a:lnRef idx="2">
+              <a:schemeClr val="accent1">
+                <a:shade val="50000"/>
+              </a:schemeClr>
+            </a:lnRef>
+            <a:fillRef idx="1">
+              <a:schemeClr val="accent1"/>
+            </a:fillRef>
+            <a:effectRef idx="0">
+              <a:schemeClr val="accent1"/>
+            </a:effectRef>
+            <a:fontRef idx="minor">
+              <a:schemeClr val="lt1"/>
+            </a:fontRef>
+          </p:style>
+          <p:txBody>
+            <a:bodyPr rtlCol="0" anchor="ctr"/>
+            <a:lstStyle/>
+            <a:p>
+              <a:pPr algn="ctr"/>
+              <a:endParaRPr lang="en-US"/>
+            </a:p>
+          </p:txBody>
+        </p:sp>
+        <p:pic>
+          <p:nvPicPr>
+            <p:cNvPr id="10" name="Picture 9"/>
+            <p:cNvPicPr>
+              <a:picLocks noChangeAspect="1"/>
+            </p:cNvPicPr>
+            <p:nvPr/>
+          </p:nvPicPr>
+          <p:blipFill>
+            <a:blip r:embed="rId11">
+              <a:extLst>
+                <a:ext uri="{28A0092B-C50C-407E-A947-70E740481C1C}">
+                  <a14:useLocalDpi xmlns:a14="http://schemas.microsoft.com/office/drawing/2010/main" val="0"/>
+                </a:ext>
+              </a:extLst>
+            </a:blip>
+            <a:stretch>
+              <a:fillRect/>
+            </a:stretch>
+          </p:blipFill>
+          <p:spPr>
+            <a:xfrm>
+              <a:off x="4551835" y="1737894"/>
+              <a:ext cx="336863" cy="336863"/>
             </a:xfrm>
             <a:prstGeom prst="rect">
               <a:avLst/>
@@ -13188,9 +13352,397 @@
             <a:solidFill>
               <a:schemeClr val="bg1"/>
             </a:solidFill>
+          </p:spPr>
+        </p:pic>
+        <p:sp>
+          <p:nvSpPr>
+            <p:cNvPr id="115" name="TextBox 114"/>
+            <p:cNvSpPr txBox="1"/>
+            <p:nvPr/>
+          </p:nvSpPr>
+          <p:spPr>
+            <a:xfrm>
+              <a:off x="4888698" y="1767630"/>
+              <a:ext cx="1176108" cy="200055"/>
+            </a:xfrm>
+            <a:prstGeom prst="rect">
+              <a:avLst/>
+            </a:prstGeom>
+            <a:noFill/>
+          </p:spPr>
+          <p:txBody>
+            <a:bodyPr wrap="square" rtlCol="0">
+              <a:spAutoFit/>
+            </a:bodyPr>
+            <a:lstStyle/>
+            <a:p>
+              <a:r>
+                <a:rPr lang="en-US" sz="700" dirty="0" err="1">
+                  <a:latin typeface="Segoe UI Light" panose="020B0502040204020203" pitchFamily="34" charset="0"/>
+                  <a:cs typeface="Segoe UI Light" panose="020B0502040204020203" pitchFamily="34" charset="0"/>
+                </a:rPr>
+                <a:t>oxfordci</a:t>
+              </a:r>
+              <a:endParaRPr lang="en-US" sz="700" dirty="0">
+                <a:latin typeface="Segoe UI Light" panose="020B0502040204020203" pitchFamily="34" charset="0"/>
+                <a:cs typeface="Segoe UI Light" panose="020B0502040204020203" pitchFamily="34" charset="0"/>
+              </a:endParaRPr>
+            </a:p>
+          </p:txBody>
+        </p:sp>
+      </p:grpSp>
+      <p:sp>
+        <p:nvSpPr>
+          <p:cNvPr id="125" name="TextBox 124"/>
+          <p:cNvSpPr txBox="1"/>
+          <p:nvPr/>
+        </p:nvSpPr>
+        <p:spPr>
+          <a:xfrm>
+            <a:off x="8861446" y="1018474"/>
+            <a:ext cx="569162" cy="215444"/>
+          </a:xfrm>
+          <a:prstGeom prst="rect">
+            <a:avLst/>
+          </a:prstGeom>
+          <a:noFill/>
+        </p:spPr>
+        <p:txBody>
+          <a:bodyPr wrap="square" rtlCol="0">
+            <a:spAutoFit/>
+          </a:bodyPr>
+          <a:lstStyle/>
+          <a:p>
+            <a:pPr algn="ctr"/>
+            <a:r>
+              <a:rPr lang="en-US" sz="800" dirty="0">
+                <a:solidFill>
+                  <a:schemeClr val="bg1"/>
+                </a:solidFill>
+                <a:latin typeface="Segoe UI Light" panose="020B0502040204020203" pitchFamily="34" charset="0"/>
+                <a:cs typeface="Segoe UI Light" panose="020B0502040204020203" pitchFamily="34" charset="0"/>
+              </a:rPr>
+              <a:t>master</a:t>
+            </a:r>
+          </a:p>
+        </p:txBody>
+      </p:sp>
+      <p:sp>
+        <p:nvSpPr>
+          <p:cNvPr id="133" name="TextBox 132"/>
+          <p:cNvSpPr txBox="1"/>
+          <p:nvPr/>
+        </p:nvSpPr>
+        <p:spPr>
+          <a:xfrm>
+            <a:off x="5604095" y="215425"/>
+            <a:ext cx="1176108" cy="200055"/>
+          </a:xfrm>
+          <a:prstGeom prst="rect">
+            <a:avLst/>
+          </a:prstGeom>
+          <a:noFill/>
+        </p:spPr>
+        <p:txBody>
+          <a:bodyPr wrap="square" rtlCol="0">
+            <a:spAutoFit/>
+          </a:bodyPr>
+          <a:lstStyle/>
+          <a:p>
+            <a:r>
+              <a:rPr lang="en-US" sz="700" dirty="0">
+                <a:latin typeface="Segoe UI Light" panose="020B0502040204020203" pitchFamily="34" charset="0"/>
+                <a:cs typeface="Segoe UI Light" panose="020B0502040204020203" pitchFamily="34" charset="0"/>
+              </a:rPr>
+              <a:t>oxford-ci</a:t>
+            </a:r>
+          </a:p>
+        </p:txBody>
+      </p:sp>
+      <p:pic>
+        <p:nvPicPr>
+          <p:cNvPr id="11" name="Picture 10"/>
+          <p:cNvPicPr>
+            <a:picLocks noChangeAspect="1"/>
+          </p:cNvPicPr>
+          <p:nvPr/>
+        </p:nvPicPr>
+        <p:blipFill>
+          <a:blip r:embed="rId12">
+            <a:extLst>
+              <a:ext uri="{28A0092B-C50C-407E-A947-70E740481C1C}">
+                <a14:useLocalDpi xmlns:a14="http://schemas.microsoft.com/office/drawing/2010/main" val="0"/>
+              </a:ext>
+            </a:extLst>
+          </a:blip>
+          <a:stretch>
+            <a:fillRect/>
+          </a:stretch>
+        </p:blipFill>
+        <p:spPr>
+          <a:xfrm>
+            <a:off x="5213950" y="206965"/>
+            <a:ext cx="390145" cy="390145"/>
+          </a:xfrm>
+          <a:prstGeom prst="rect">
+            <a:avLst/>
+          </a:prstGeom>
+          <a:solidFill>
+            <a:schemeClr val="bg1"/>
+          </a:solidFill>
+        </p:spPr>
+      </p:pic>
+      <mc:AlternateContent xmlns:mc="http://schemas.openxmlformats.org/markup-compatibility/2006" xmlns:p14="http://schemas.microsoft.com/office/powerpoint/2010/main">
+        <mc:Choice Requires="p14">
+          <p:contentPart p14:bwMode="auto" r:id="rId13">
+            <p14:nvContentPartPr>
+              <p14:cNvPr id="147" name="Ink 146"/>
+              <p14:cNvContentPartPr/>
+              <p14:nvPr/>
+            </p14:nvContentPartPr>
+            <p14:xfrm>
+              <a:off x="7183473" y="1939582"/>
+              <a:ext cx="21240" cy="21240"/>
+            </p14:xfrm>
+          </p:contentPart>
+        </mc:Choice>
+        <mc:Fallback xmlns="">
+          <p:pic>
+            <p:nvPicPr>
+              <p:cNvPr id="147" name="Ink 146"/>
+              <p:cNvPicPr/>
+              <p:nvPr/>
+            </p:nvPicPr>
+            <p:blipFill>
+              <a:blip r:embed="rId16"/>
+              <a:stretch>
+                <a:fillRect/>
+              </a:stretch>
+            </p:blipFill>
+            <p:spPr>
+              <a:xfrm>
+                <a:off x="7180233" y="1936702"/>
+                <a:ext cx="27360" cy="27360"/>
+              </a:xfrm>
+              <a:prstGeom prst="rect">
+                <a:avLst/>
+              </a:prstGeom>
+            </p:spPr>
+          </p:pic>
+        </mc:Fallback>
+      </mc:AlternateContent>
+      <p:sp>
+        <p:nvSpPr>
+          <p:cNvPr id="2" name="Rectangle 1"/>
+          <p:cNvSpPr/>
+          <p:nvPr/>
+        </p:nvSpPr>
+        <p:spPr>
+          <a:xfrm>
+            <a:off x="755853" y="703060"/>
+            <a:ext cx="2557804" cy="1090048"/>
+          </a:xfrm>
+          <a:prstGeom prst="rect">
+            <a:avLst/>
+          </a:prstGeom>
+          <a:noFill/>
+          <a:ln>
+            <a:solidFill>
+              <a:srgbClr val="388ACF"/>
+            </a:solidFill>
+            <a:prstDash val="sysDot"/>
+          </a:ln>
+        </p:spPr>
+        <p:style>
+          <a:lnRef idx="2">
+            <a:schemeClr val="accent1">
+              <a:shade val="50000"/>
+            </a:schemeClr>
+          </a:lnRef>
+          <a:fillRef idx="1">
+            <a:schemeClr val="accent1"/>
+          </a:fillRef>
+          <a:effectRef idx="0">
+            <a:schemeClr val="accent1"/>
+          </a:effectRef>
+          <a:fontRef idx="minor">
+            <a:schemeClr val="lt1"/>
+          </a:fontRef>
+        </p:style>
+        <p:txBody>
+          <a:bodyPr rtlCol="0" anchor="ctr"/>
+          <a:lstStyle/>
+          <a:p>
+            <a:pPr algn="ctr"/>
+            <a:endParaRPr lang="en-US"/>
+          </a:p>
+        </p:txBody>
+      </p:sp>
+      <p:grpSp>
+        <p:nvGrpSpPr>
+          <p:cNvPr id="91" name="Group 90"/>
+          <p:cNvGrpSpPr/>
+          <p:nvPr/>
+        </p:nvGrpSpPr>
+        <p:grpSpPr>
+          <a:xfrm>
+            <a:off x="1034060" y="874575"/>
+            <a:ext cx="1899246" cy="591053"/>
+            <a:chOff x="533401" y="193964"/>
+            <a:chExt cx="1899246" cy="591053"/>
+          </a:xfrm>
+        </p:grpSpPr>
+        <p:grpSp>
+          <p:nvGrpSpPr>
+            <p:cNvPr id="93" name="Group 92"/>
+            <p:cNvGrpSpPr/>
+            <p:nvPr/>
+          </p:nvGrpSpPr>
+          <p:grpSpPr>
+            <a:xfrm>
+              <a:off x="702587" y="301422"/>
+              <a:ext cx="1560874" cy="376137"/>
+              <a:chOff x="793154" y="1082037"/>
+              <a:chExt cx="1560874" cy="376137"/>
+            </a:xfrm>
+          </p:grpSpPr>
+          <p:sp>
+            <p:nvSpPr>
+              <p:cNvPr id="96" name="Rectangle 95"/>
+              <p:cNvSpPr/>
+              <p:nvPr/>
+            </p:nvSpPr>
+            <p:spPr>
+              <a:xfrm>
+                <a:off x="1169291" y="1082037"/>
+                <a:ext cx="1184737" cy="376137"/>
+              </a:xfrm>
+              <a:prstGeom prst="rect">
+                <a:avLst/>
+              </a:prstGeom>
+              <a:solidFill>
+                <a:srgbClr val="019681"/>
+              </a:solidFill>
+              <a:ln>
+                <a:noFill/>
+              </a:ln>
+            </p:spPr>
+            <p:style>
+              <a:lnRef idx="2">
+                <a:schemeClr val="accent1">
+                  <a:shade val="50000"/>
+                </a:schemeClr>
+              </a:lnRef>
+              <a:fillRef idx="1">
+                <a:schemeClr val="accent1"/>
+              </a:fillRef>
+              <a:effectRef idx="0">
+                <a:schemeClr val="accent1"/>
+              </a:effectRef>
+              <a:fontRef idx="minor">
+                <a:schemeClr val="lt1"/>
+              </a:fontRef>
+            </p:style>
+            <p:txBody>
+              <a:bodyPr rtlCol="0" anchor="ctr"/>
+              <a:lstStyle/>
+              <a:p>
+                <a:pPr algn="ctr"/>
+                <a:endParaRPr lang="en-US"/>
+              </a:p>
+            </p:txBody>
+          </p:sp>
+          <p:pic>
+            <p:nvPicPr>
+              <p:cNvPr id="97" name="Picture 96" descr="nintendo, abstract&#10;&#10;Description generated with very high confidence"/>
+              <p:cNvPicPr>
+                <a:picLocks noChangeAspect="1"/>
+              </p:cNvPicPr>
+              <p:nvPr/>
+            </p:nvPicPr>
+            <p:blipFill>
+              <a:blip r:embed="rId17">
+                <a:extLst>
+                  <a:ext uri="{28A0092B-C50C-407E-A947-70E740481C1C}">
+                    <a14:useLocalDpi xmlns:a14="http://schemas.microsoft.com/office/drawing/2010/main" val="0"/>
+                  </a:ext>
+                </a:extLst>
+              </a:blip>
+              <a:stretch>
+                <a:fillRect/>
+              </a:stretch>
+            </p:blipFill>
+            <p:spPr>
+              <a:xfrm>
+                <a:off x="793154" y="1082037"/>
+                <a:ext cx="376137" cy="376137"/>
+              </a:xfrm>
+              <a:prstGeom prst="rect">
+                <a:avLst/>
+              </a:prstGeom>
+            </p:spPr>
+          </p:pic>
+          <p:sp>
+            <p:nvSpPr>
+              <p:cNvPr id="98" name="TextBox 97"/>
+              <p:cNvSpPr txBox="1"/>
+              <p:nvPr/>
+            </p:nvSpPr>
+            <p:spPr>
+              <a:xfrm>
+                <a:off x="1073727" y="1166349"/>
+                <a:ext cx="1280301" cy="200055"/>
+              </a:xfrm>
+              <a:prstGeom prst="rect">
+                <a:avLst/>
+              </a:prstGeom>
+              <a:noFill/>
+            </p:spPr>
+            <p:txBody>
+              <a:bodyPr wrap="square" rtlCol="0">
+                <a:spAutoFit/>
+              </a:bodyPr>
+              <a:lstStyle/>
+              <a:p>
+                <a:r>
+                  <a:rPr lang="en-US" sz="700" dirty="0" err="1">
+                    <a:solidFill>
+                      <a:schemeClr val="bg1"/>
+                    </a:solidFill>
+                    <a:latin typeface="Segoe UI Light" panose="020B0502040204020203" pitchFamily="34" charset="0"/>
+                    <a:cs typeface="Segoe UI Light" panose="020B0502040204020203" pitchFamily="34" charset="0"/>
+                  </a:rPr>
+                  <a:t>Microsoft.ProjectOxford.Text</a:t>
+                </a:r>
+                <a:endParaRPr lang="en-US" sz="700" dirty="0">
+                  <a:solidFill>
+                    <a:schemeClr val="bg1"/>
+                  </a:solidFill>
+                  <a:latin typeface="Segoe UI Light" panose="020B0502040204020203" pitchFamily="34" charset="0"/>
+                  <a:cs typeface="Segoe UI Light" panose="020B0502040204020203" pitchFamily="34" charset="0"/>
+                </a:endParaRPr>
+              </a:p>
+            </p:txBody>
+          </p:sp>
+        </p:grpSp>
+        <p:sp>
+          <p:nvSpPr>
+            <p:cNvPr id="94" name="Rectangle 93"/>
+            <p:cNvSpPr/>
+            <p:nvPr/>
+          </p:nvSpPr>
+          <p:spPr>
+            <a:xfrm>
+              <a:off x="533401" y="193964"/>
+              <a:ext cx="1899246" cy="591053"/>
+            </a:xfrm>
+            <a:prstGeom prst="rect">
+              <a:avLst/>
+            </a:prstGeom>
+            <a:noFill/>
             <a:ln>
               <a:solidFill>
-                <a:srgbClr val="0079D6"/>
+                <a:srgbClr val="2B82CE"/>
               </a:solidFill>
               <a:prstDash val="sysDot"/>
             </a:ln>
@@ -13220,1765 +13772,91 @@
             </a:p>
           </p:txBody>
         </p:sp>
-        <p:pic>
-          <p:nvPicPr>
-            <p:cNvPr id="61" name="Picture 60"/>
-            <p:cNvPicPr>
-              <a:picLocks noChangeAspect="1"/>
-            </p:cNvPicPr>
-            <p:nvPr/>
-          </p:nvPicPr>
-          <p:blipFill>
-            <a:blip r:embed="rId9">
-              <a:extLst>
-                <a:ext uri="{28A0092B-C50C-407E-A947-70E740481C1C}">
-                  <a14:useLocalDpi xmlns:a14="http://schemas.microsoft.com/office/drawing/2010/main" val="0"/>
-                </a:ext>
-              </a:extLst>
-            </a:blip>
-            <a:stretch>
-              <a:fillRect/>
-            </a:stretch>
-          </p:blipFill>
-          <p:spPr>
-            <a:xfrm>
-              <a:off x="10648174" y="2431169"/>
-              <a:ext cx="600061" cy="600061"/>
-            </a:xfrm>
-            <a:prstGeom prst="rect">
-              <a:avLst/>
-            </a:prstGeom>
-            <a:solidFill>
-              <a:schemeClr val="bg1"/>
-            </a:solidFill>
-          </p:spPr>
-        </p:pic>
-        <p:sp>
-          <p:nvSpPr>
-            <p:cNvPr id="65" name="TextBox 64"/>
-            <p:cNvSpPr txBox="1"/>
-            <p:nvPr/>
-          </p:nvSpPr>
-          <p:spPr>
-            <a:xfrm>
-              <a:off x="10189579" y="2741723"/>
-              <a:ext cx="559317" cy="215444"/>
-            </a:xfrm>
-            <a:prstGeom prst="rect">
-              <a:avLst/>
-            </a:prstGeom>
-            <a:noFill/>
-          </p:spPr>
-          <p:txBody>
-            <a:bodyPr wrap="square" rtlCol="0">
-              <a:spAutoFit/>
-            </a:bodyPr>
-            <a:lstStyle/>
-            <a:p>
-              <a:pPr algn="r"/>
-              <a:r>
-                <a:rPr lang="en-US" sz="800" dirty="0">
-                  <a:solidFill>
-                    <a:srgbClr val="0079D6"/>
-                  </a:solidFill>
-                  <a:latin typeface="Segoe UI Light" panose="020B0502040204020203" pitchFamily="34" charset="0"/>
-                  <a:cs typeface="Segoe UI Light" panose="020B0502040204020203" pitchFamily="34" charset="0"/>
-                </a:rPr>
-                <a:t>Azure</a:t>
-              </a:r>
-            </a:p>
-          </p:txBody>
-        </p:sp>
-        <p:grpSp>
-          <p:nvGrpSpPr>
-            <p:cNvPr id="1029" name="Group 1028"/>
-            <p:cNvGrpSpPr/>
-            <p:nvPr/>
-          </p:nvGrpSpPr>
-          <p:grpSpPr>
-            <a:xfrm>
-              <a:off x="6183397" y="457352"/>
-              <a:ext cx="4394548" cy="2008757"/>
-              <a:chOff x="6183397" y="457352"/>
-              <a:chExt cx="4394548" cy="2008757"/>
-            </a:xfrm>
-          </p:grpSpPr>
-          <p:sp>
-            <p:nvSpPr>
-              <p:cNvPr id="1027" name="Rectangle 1026"/>
-              <p:cNvSpPr/>
-              <p:nvPr/>
-            </p:nvSpPr>
-            <p:spPr>
-              <a:xfrm>
-                <a:off x="6366794" y="677559"/>
-                <a:ext cx="4211151" cy="1788550"/>
-              </a:xfrm>
-              <a:prstGeom prst="rect">
-                <a:avLst/>
-              </a:prstGeom>
-              <a:solidFill>
-                <a:schemeClr val="bg1"/>
-              </a:solidFill>
-              <a:ln>
-                <a:solidFill>
-                  <a:srgbClr val="0079D6"/>
-                </a:solidFill>
-              </a:ln>
-            </p:spPr>
-            <p:style>
-              <a:lnRef idx="2">
-                <a:schemeClr val="accent1">
-                  <a:shade val="50000"/>
-                </a:schemeClr>
-              </a:lnRef>
-              <a:fillRef idx="1">
-                <a:schemeClr val="accent1"/>
-              </a:fillRef>
-              <a:effectRef idx="0">
-                <a:schemeClr val="accent1"/>
-              </a:effectRef>
-              <a:fontRef idx="minor">
-                <a:schemeClr val="lt1"/>
-              </a:fontRef>
-            </p:style>
-            <p:txBody>
-              <a:bodyPr rtlCol="0" anchor="ctr"/>
-              <a:lstStyle/>
-              <a:p>
-                <a:pPr algn="ctr"/>
-                <a:endParaRPr lang="en-US"/>
-              </a:p>
-            </p:txBody>
-          </p:sp>
-          <p:grpSp>
-            <p:nvGrpSpPr>
-              <p:cNvPr id="1025" name="Group 1024"/>
-              <p:cNvGrpSpPr/>
-              <p:nvPr/>
-            </p:nvGrpSpPr>
-            <p:grpSpPr>
-              <a:xfrm>
-                <a:off x="6537351" y="797175"/>
-                <a:ext cx="2105274" cy="1533835"/>
-                <a:chOff x="4551835" y="1737894"/>
-                <a:chExt cx="2105274" cy="1533835"/>
-              </a:xfrm>
-            </p:grpSpPr>
-            <p:grpSp>
-              <p:nvGrpSpPr>
-                <p:cNvPr id="105" name="Group 104"/>
-                <p:cNvGrpSpPr/>
-                <p:nvPr/>
-              </p:nvGrpSpPr>
-              <p:grpSpPr>
-                <a:xfrm>
-                  <a:off x="4888698" y="2067713"/>
-                  <a:ext cx="1574447" cy="1103988"/>
-                  <a:chOff x="4888698" y="2067713"/>
-                  <a:chExt cx="1574447" cy="1103988"/>
-                </a:xfrm>
-              </p:grpSpPr>
-              <p:grpSp>
-                <p:nvGrpSpPr>
-                  <p:cNvPr id="103" name="Group 102"/>
-                  <p:cNvGrpSpPr/>
-                  <p:nvPr/>
-                </p:nvGrpSpPr>
-                <p:grpSpPr>
-                  <a:xfrm>
-                    <a:off x="5220060" y="2417368"/>
-                    <a:ext cx="549472" cy="654305"/>
-                    <a:chOff x="5220060" y="2417368"/>
-                    <a:chExt cx="549472" cy="654305"/>
-                  </a:xfrm>
-                </p:grpSpPr>
-                <p:sp>
-                  <p:nvSpPr>
-                    <p:cNvPr id="100" name="Rectangle 99"/>
-                    <p:cNvSpPr/>
-                    <p:nvPr/>
-                  </p:nvSpPr>
-                  <p:spPr>
-                    <a:xfrm>
-                      <a:off x="5238107" y="2417368"/>
-                      <a:ext cx="513378" cy="654305"/>
-                    </a:xfrm>
-                    <a:prstGeom prst="rect">
-                      <a:avLst/>
-                    </a:prstGeom>
-                    <a:noFill/>
-                    <a:ln>
-                      <a:solidFill>
-                        <a:schemeClr val="tx1"/>
-                      </a:solidFill>
-                    </a:ln>
-                  </p:spPr>
-                  <p:style>
-                    <a:lnRef idx="2">
-                      <a:schemeClr val="accent1">
-                        <a:shade val="50000"/>
-                      </a:schemeClr>
-                    </a:lnRef>
-                    <a:fillRef idx="1">
-                      <a:schemeClr val="accent1"/>
-                    </a:fillRef>
-                    <a:effectRef idx="0">
-                      <a:schemeClr val="accent1"/>
-                    </a:effectRef>
-                    <a:fontRef idx="minor">
-                      <a:schemeClr val="lt1"/>
-                    </a:fontRef>
-                  </p:style>
-                  <p:txBody>
-                    <a:bodyPr rtlCol="0" anchor="ctr"/>
-                    <a:lstStyle/>
-                    <a:p>
-                      <a:pPr algn="ctr"/>
-                      <a:endParaRPr lang="en-US"/>
-                    </a:p>
-                  </p:txBody>
-                </p:sp>
-                <p:grpSp>
-                  <p:nvGrpSpPr>
-                    <p:cNvPr id="101" name="Group 100"/>
-                    <p:cNvGrpSpPr/>
-                    <p:nvPr/>
-                  </p:nvGrpSpPr>
-                  <p:grpSpPr>
-                    <a:xfrm>
-                      <a:off x="5220060" y="2479930"/>
-                      <a:ext cx="549472" cy="529180"/>
-                      <a:chOff x="5220060" y="2517108"/>
-                      <a:chExt cx="549472" cy="529180"/>
-                    </a:xfrm>
-                  </p:grpSpPr>
-                  <p:pic>
-                    <p:nvPicPr>
-                      <p:cNvPr id="99" name="Picture 98"/>
-                      <p:cNvPicPr>
-                        <a:picLocks noChangeAspect="1"/>
-                      </p:cNvPicPr>
-                      <p:nvPr/>
-                    </p:nvPicPr>
-                    <p:blipFill>
-                      <a:blip r:embed="rId10">
-                        <a:grayscl/>
-                        <a:extLst>
-                          <a:ext uri="{28A0092B-C50C-407E-A947-70E740481C1C}">
-                            <a14:useLocalDpi xmlns:a14="http://schemas.microsoft.com/office/drawing/2010/main" val="0"/>
-                          </a:ext>
-                        </a:extLst>
-                      </a:blip>
-                      <a:stretch>
-                        <a:fillRect/>
-                      </a:stretch>
-                    </p:blipFill>
-                    <p:spPr>
-                      <a:xfrm>
-                        <a:off x="5340943" y="2517108"/>
-                        <a:ext cx="307707" cy="307707"/>
-                      </a:xfrm>
-                      <a:prstGeom prst="rect">
-                        <a:avLst/>
-                      </a:prstGeom>
-                    </p:spPr>
-                  </p:pic>
-                  <p:sp>
-                    <p:nvSpPr>
-                      <p:cNvPr id="102" name="TextBox 101"/>
-                      <p:cNvSpPr txBox="1"/>
-                      <p:nvPr/>
-                    </p:nvSpPr>
-                    <p:spPr>
-                      <a:xfrm>
-                        <a:off x="5220060" y="2830844"/>
-                        <a:ext cx="549472" cy="215444"/>
-                      </a:xfrm>
-                      <a:prstGeom prst="rect">
-                        <a:avLst/>
-                      </a:prstGeom>
-                      <a:noFill/>
-                    </p:spPr>
-                    <p:txBody>
-                      <a:bodyPr wrap="square" rtlCol="0">
-                        <a:spAutoFit/>
-                      </a:bodyPr>
-                      <a:lstStyle/>
-                      <a:p>
-                        <a:pPr algn="ctr"/>
-                        <a:r>
-                          <a:rPr lang="en-US" sz="800" dirty="0">
-                            <a:latin typeface="Segoe UI Light" panose="020B0502040204020203" pitchFamily="34" charset="0"/>
-                            <a:cs typeface="Segoe UI Light" panose="020B0502040204020203" pitchFamily="34" charset="0"/>
-                          </a:rPr>
-                          <a:t>develop</a:t>
-                        </a:r>
-                      </a:p>
-                    </p:txBody>
-                  </p:sp>
-                </p:grpSp>
-              </p:grpSp>
-              <p:grpSp>
-                <p:nvGrpSpPr>
-                  <p:cNvPr id="106" name="Group 105"/>
-                  <p:cNvGrpSpPr/>
-                  <p:nvPr/>
-                </p:nvGrpSpPr>
-                <p:grpSpPr>
-                  <a:xfrm>
-                    <a:off x="5827417" y="2412210"/>
-                    <a:ext cx="549472" cy="654305"/>
-                    <a:chOff x="5220060" y="2417368"/>
-                    <a:chExt cx="549472" cy="654305"/>
-                  </a:xfrm>
-                </p:grpSpPr>
-                <p:sp>
-                  <p:nvSpPr>
-                    <p:cNvPr id="107" name="Rectangle 106"/>
-                    <p:cNvSpPr/>
-                    <p:nvPr/>
-                  </p:nvSpPr>
-                  <p:spPr>
-                    <a:xfrm>
-                      <a:off x="5238107" y="2417368"/>
-                      <a:ext cx="513378" cy="654305"/>
-                    </a:xfrm>
-                    <a:prstGeom prst="rect">
-                      <a:avLst/>
-                    </a:prstGeom>
-                    <a:noFill/>
-                    <a:ln>
-                      <a:solidFill>
-                        <a:schemeClr val="tx1"/>
-                      </a:solidFill>
-                    </a:ln>
-                  </p:spPr>
-                  <p:style>
-                    <a:lnRef idx="2">
-                      <a:schemeClr val="accent1">
-                        <a:shade val="50000"/>
-                      </a:schemeClr>
-                    </a:lnRef>
-                    <a:fillRef idx="1">
-                      <a:schemeClr val="accent1"/>
-                    </a:fillRef>
-                    <a:effectRef idx="0">
-                      <a:schemeClr val="accent1"/>
-                    </a:effectRef>
-                    <a:fontRef idx="minor">
-                      <a:schemeClr val="lt1"/>
-                    </a:fontRef>
-                  </p:style>
-                  <p:txBody>
-                    <a:bodyPr rtlCol="0" anchor="ctr"/>
-                    <a:lstStyle/>
-                    <a:p>
-                      <a:pPr algn="ctr"/>
-                      <a:endParaRPr lang="en-US"/>
-                    </a:p>
-                  </p:txBody>
-                </p:sp>
-                <p:grpSp>
-                  <p:nvGrpSpPr>
-                    <p:cNvPr id="108" name="Group 107"/>
-                    <p:cNvGrpSpPr/>
-                    <p:nvPr/>
-                  </p:nvGrpSpPr>
-                  <p:grpSpPr>
-                    <a:xfrm>
-                      <a:off x="5220060" y="2479930"/>
-                      <a:ext cx="549472" cy="529180"/>
-                      <a:chOff x="5220060" y="2517108"/>
-                      <a:chExt cx="549472" cy="529180"/>
-                    </a:xfrm>
-                  </p:grpSpPr>
-                  <p:pic>
-                    <p:nvPicPr>
-                      <p:cNvPr id="109" name="Picture 108"/>
-                      <p:cNvPicPr>
-                        <a:picLocks noChangeAspect="1"/>
-                      </p:cNvPicPr>
-                      <p:nvPr/>
-                    </p:nvPicPr>
-                    <p:blipFill>
-                      <a:blip r:embed="rId10">
-                        <a:grayscl/>
-                        <a:extLst>
-                          <a:ext uri="{28A0092B-C50C-407E-A947-70E740481C1C}">
-                            <a14:useLocalDpi xmlns:a14="http://schemas.microsoft.com/office/drawing/2010/main" val="0"/>
-                          </a:ext>
-                        </a:extLst>
-                      </a:blip>
-                      <a:stretch>
-                        <a:fillRect/>
-                      </a:stretch>
-                    </p:blipFill>
-                    <p:spPr>
-                      <a:xfrm>
-                        <a:off x="5340943" y="2517108"/>
-                        <a:ext cx="307707" cy="307707"/>
-                      </a:xfrm>
-                      <a:prstGeom prst="rect">
-                        <a:avLst/>
-                      </a:prstGeom>
-                    </p:spPr>
-                  </p:pic>
-                  <p:sp>
-                    <p:nvSpPr>
-                      <p:cNvPr id="110" name="TextBox 109"/>
-                      <p:cNvSpPr txBox="1"/>
-                      <p:nvPr/>
-                    </p:nvSpPr>
-                    <p:spPr>
-                      <a:xfrm>
-                        <a:off x="5220060" y="2830844"/>
-                        <a:ext cx="549472" cy="215444"/>
-                      </a:xfrm>
-                      <a:prstGeom prst="rect">
-                        <a:avLst/>
-                      </a:prstGeom>
-                      <a:noFill/>
-                    </p:spPr>
-                    <p:txBody>
-                      <a:bodyPr wrap="square" rtlCol="0">
-                        <a:spAutoFit/>
-                      </a:bodyPr>
-                      <a:lstStyle/>
-                      <a:p>
-                        <a:pPr algn="ctr"/>
-                        <a:r>
-                          <a:rPr lang="en-US" sz="800" dirty="0">
-                            <a:latin typeface="Segoe UI Light" panose="020B0502040204020203" pitchFamily="34" charset="0"/>
-                            <a:cs typeface="Segoe UI Light" panose="020B0502040204020203" pitchFamily="34" charset="0"/>
-                          </a:rPr>
-                          <a:t>master</a:t>
-                        </a:r>
-                      </a:p>
-                    </p:txBody>
-                  </p:sp>
-                </p:grpSp>
-              </p:grpSp>
-              <p:sp>
-                <p:nvSpPr>
-                  <p:cNvPr id="111" name="TextBox 110"/>
-                  <p:cNvSpPr txBox="1"/>
-                  <p:nvPr/>
-                </p:nvSpPr>
-                <p:spPr>
-                  <a:xfrm>
-                    <a:off x="5106488" y="2067713"/>
-                    <a:ext cx="1176108" cy="200055"/>
-                  </a:xfrm>
-                  <a:prstGeom prst="rect">
-                    <a:avLst/>
-                  </a:prstGeom>
-                  <a:noFill/>
-                </p:spPr>
-                <p:txBody>
-                  <a:bodyPr wrap="square" rtlCol="0">
-                    <a:spAutoFit/>
-                  </a:bodyPr>
-                  <a:lstStyle/>
-                  <a:p>
-                    <a:r>
-                      <a:rPr lang="en-US" sz="700" dirty="0" err="1">
-                        <a:latin typeface="Segoe UI Light" panose="020B0502040204020203" pitchFamily="34" charset="0"/>
-                        <a:cs typeface="Segoe UI Light" panose="020B0502040204020203" pitchFamily="34" charset="0"/>
-                      </a:rPr>
-                      <a:t>jenkins</a:t>
-                    </a:r>
-                    <a:endParaRPr lang="en-US" sz="700" dirty="0">
-                      <a:latin typeface="Segoe UI Light" panose="020B0502040204020203" pitchFamily="34" charset="0"/>
-                      <a:cs typeface="Segoe UI Light" panose="020B0502040204020203" pitchFamily="34" charset="0"/>
-                    </a:endParaRPr>
-                  </a:p>
-                </p:txBody>
-              </p:sp>
-              <p:sp>
-                <p:nvSpPr>
-                  <p:cNvPr id="104" name="Rectangle 103"/>
-                  <p:cNvSpPr/>
-                  <p:nvPr/>
-                </p:nvSpPr>
-                <p:spPr>
-                  <a:xfrm>
-                    <a:off x="5054045" y="2280902"/>
-                    <a:ext cx="1409100" cy="890799"/>
-                  </a:xfrm>
-                  <a:prstGeom prst="rect">
-                    <a:avLst/>
-                  </a:prstGeom>
-                  <a:noFill/>
-                  <a:ln>
-                    <a:solidFill>
-                      <a:srgbClr val="D33833"/>
-                    </a:solidFill>
-                  </a:ln>
-                </p:spPr>
-                <p:style>
-                  <a:lnRef idx="2">
-                    <a:schemeClr val="accent1">
-                      <a:shade val="50000"/>
-                    </a:schemeClr>
-                  </a:lnRef>
-                  <a:fillRef idx="1">
-                    <a:schemeClr val="accent1"/>
-                  </a:fillRef>
-                  <a:effectRef idx="0">
-                    <a:schemeClr val="accent1"/>
-                  </a:effectRef>
-                  <a:fontRef idx="minor">
-                    <a:schemeClr val="lt1"/>
-                  </a:fontRef>
-                </p:style>
-                <p:txBody>
-                  <a:bodyPr rtlCol="0" anchor="ctr"/>
-                  <a:lstStyle/>
-                  <a:p>
-                    <a:pPr algn="ctr"/>
-                    <a:endParaRPr lang="en-US"/>
-                  </a:p>
-                </p:txBody>
-              </p:sp>
-              <p:pic>
-                <p:nvPicPr>
-                  <p:cNvPr id="15" name="Picture 14"/>
-                  <p:cNvPicPr>
-                    <a:picLocks noChangeAspect="1"/>
-                  </p:cNvPicPr>
-                  <p:nvPr/>
-                </p:nvPicPr>
-                <p:blipFill>
-                  <a:blip r:embed="rId11">
-                    <a:extLst>
-                      <a:ext uri="{28A0092B-C50C-407E-A947-70E740481C1C}">
-                        <a14:useLocalDpi xmlns:a14="http://schemas.microsoft.com/office/drawing/2010/main" val="0"/>
-                      </a:ext>
-                    </a:extLst>
-                  </a:blip>
-                  <a:stretch>
-                    <a:fillRect/>
-                  </a:stretch>
-                </p:blipFill>
-                <p:spPr>
-                  <a:xfrm>
-                    <a:off x="4888698" y="2103424"/>
-                    <a:ext cx="257378" cy="355318"/>
-                  </a:xfrm>
-                  <a:prstGeom prst="rect">
-                    <a:avLst/>
-                  </a:prstGeom>
-                </p:spPr>
-              </p:pic>
-            </p:grpSp>
-            <p:sp>
-              <p:nvSpPr>
-                <p:cNvPr id="112" name="Rectangle 111"/>
-                <p:cNvSpPr/>
-                <p:nvPr/>
-              </p:nvSpPr>
-              <p:spPr>
-                <a:xfrm>
-                  <a:off x="4720266" y="1964866"/>
-                  <a:ext cx="1936843" cy="1306863"/>
-                </a:xfrm>
-                <a:prstGeom prst="rect">
-                  <a:avLst/>
-                </a:prstGeom>
-                <a:noFill/>
-                <a:ln>
-                  <a:solidFill>
-                    <a:srgbClr val="0079D6"/>
-                  </a:solidFill>
-                </a:ln>
-              </p:spPr>
-              <p:style>
-                <a:lnRef idx="2">
-                  <a:schemeClr val="accent1">
-                    <a:shade val="50000"/>
-                  </a:schemeClr>
-                </a:lnRef>
-                <a:fillRef idx="1">
-                  <a:schemeClr val="accent1"/>
-                </a:fillRef>
-                <a:effectRef idx="0">
-                  <a:schemeClr val="accent1"/>
-                </a:effectRef>
-                <a:fontRef idx="minor">
-                  <a:schemeClr val="lt1"/>
-                </a:fontRef>
-              </p:style>
-              <p:txBody>
-                <a:bodyPr rtlCol="0" anchor="ctr"/>
-                <a:lstStyle/>
-                <a:p>
-                  <a:pPr algn="ctr"/>
-                  <a:endParaRPr lang="en-US"/>
-                </a:p>
-              </p:txBody>
-            </p:sp>
-            <p:pic>
-              <p:nvPicPr>
-                <p:cNvPr id="10" name="Picture 9"/>
-                <p:cNvPicPr>
-                  <a:picLocks noChangeAspect="1"/>
-                </p:cNvPicPr>
-                <p:nvPr/>
-              </p:nvPicPr>
-              <p:blipFill>
-                <a:blip r:embed="rId12">
-                  <a:extLst>
-                    <a:ext uri="{28A0092B-C50C-407E-A947-70E740481C1C}">
-                      <a14:useLocalDpi xmlns:a14="http://schemas.microsoft.com/office/drawing/2010/main" val="0"/>
-                    </a:ext>
-                  </a:extLst>
-                </a:blip>
-                <a:stretch>
-                  <a:fillRect/>
-                </a:stretch>
-              </p:blipFill>
-              <p:spPr>
-                <a:xfrm>
-                  <a:off x="4551835" y="1737894"/>
-                  <a:ext cx="336863" cy="336863"/>
-                </a:xfrm>
-                <a:prstGeom prst="rect">
-                  <a:avLst/>
-                </a:prstGeom>
-                <a:solidFill>
-                  <a:schemeClr val="bg1"/>
-                </a:solidFill>
-              </p:spPr>
-            </p:pic>
-            <p:sp>
-              <p:nvSpPr>
-                <p:cNvPr id="115" name="TextBox 114"/>
-                <p:cNvSpPr txBox="1"/>
-                <p:nvPr/>
-              </p:nvSpPr>
-              <p:spPr>
-                <a:xfrm>
-                  <a:off x="4888698" y="1767630"/>
-                  <a:ext cx="1176108" cy="200055"/>
-                </a:xfrm>
-                <a:prstGeom prst="rect">
-                  <a:avLst/>
-                </a:prstGeom>
-                <a:noFill/>
-              </p:spPr>
-              <p:txBody>
-                <a:bodyPr wrap="square" rtlCol="0">
-                  <a:spAutoFit/>
-                </a:bodyPr>
-                <a:lstStyle/>
-                <a:p>
-                  <a:r>
-                    <a:rPr lang="en-US" sz="700" dirty="0" err="1">
-                      <a:latin typeface="Segoe UI Light" panose="020B0502040204020203" pitchFamily="34" charset="0"/>
-                      <a:cs typeface="Segoe UI Light" panose="020B0502040204020203" pitchFamily="34" charset="0"/>
-                    </a:rPr>
-                    <a:t>oxfordci</a:t>
-                  </a:r>
-                  <a:endParaRPr lang="en-US" sz="700" dirty="0">
-                    <a:latin typeface="Segoe UI Light" panose="020B0502040204020203" pitchFamily="34" charset="0"/>
-                    <a:cs typeface="Segoe UI Light" panose="020B0502040204020203" pitchFamily="34" charset="0"/>
-                  </a:endParaRPr>
-                </a:p>
-              </p:txBody>
-            </p:sp>
-          </p:grpSp>
-          <p:grpSp>
-            <p:nvGrpSpPr>
-              <p:cNvPr id="1024" name="Group 1023"/>
-              <p:cNvGrpSpPr/>
-              <p:nvPr/>
-            </p:nvGrpSpPr>
-            <p:grpSpPr>
-              <a:xfrm>
-                <a:off x="8737982" y="824949"/>
-                <a:ext cx="1748684" cy="912759"/>
-                <a:chOff x="8737982" y="457803"/>
-                <a:chExt cx="1748684" cy="912759"/>
-              </a:xfrm>
-            </p:grpSpPr>
-            <p:sp>
-              <p:nvSpPr>
-                <p:cNvPr id="120" name="Rectangle 119"/>
-                <p:cNvSpPr/>
-                <p:nvPr/>
-              </p:nvSpPr>
-              <p:spPr>
-                <a:xfrm>
-                  <a:off x="8965360" y="652619"/>
-                  <a:ext cx="1521306" cy="717943"/>
-                </a:xfrm>
-                <a:prstGeom prst="rect">
-                  <a:avLst/>
-                </a:prstGeom>
-                <a:noFill/>
-                <a:ln>
-                  <a:solidFill>
-                    <a:srgbClr val="0079D6"/>
-                  </a:solidFill>
-                  <a:prstDash val="solid"/>
-                </a:ln>
-              </p:spPr>
-              <p:style>
-                <a:lnRef idx="2">
-                  <a:schemeClr val="accent1">
-                    <a:shade val="50000"/>
-                  </a:schemeClr>
-                </a:lnRef>
-                <a:fillRef idx="1">
-                  <a:schemeClr val="accent1"/>
-                </a:fillRef>
-                <a:effectRef idx="0">
-                  <a:schemeClr val="accent1"/>
-                </a:effectRef>
-                <a:fontRef idx="minor">
-                  <a:schemeClr val="lt1"/>
-                </a:fontRef>
-              </p:style>
-              <p:txBody>
-                <a:bodyPr rtlCol="0" anchor="ctr"/>
-                <a:lstStyle/>
-                <a:p>
-                  <a:pPr algn="ctr"/>
-                  <a:endParaRPr lang="en-US"/>
-                </a:p>
-              </p:txBody>
-            </p:sp>
-            <p:grpSp>
-              <p:nvGrpSpPr>
-                <p:cNvPr id="114" name="Group 113"/>
-                <p:cNvGrpSpPr/>
-                <p:nvPr/>
-              </p:nvGrpSpPr>
-              <p:grpSpPr>
-                <a:xfrm>
-                  <a:off x="9164029" y="724857"/>
-                  <a:ext cx="1236026" cy="569161"/>
-                  <a:chOff x="9199731" y="848676"/>
-                  <a:chExt cx="1236026" cy="569161"/>
-                </a:xfrm>
-              </p:grpSpPr>
-              <p:pic>
-                <p:nvPicPr>
-                  <p:cNvPr id="124" name="Picture 123"/>
-                  <p:cNvPicPr>
-                    <a:picLocks noChangeAspect="1"/>
-                  </p:cNvPicPr>
-                  <p:nvPr/>
-                </p:nvPicPr>
-                <p:blipFill>
-                  <a:blip r:embed="rId5">
-                    <a:extLst>
-                      <a:ext uri="{28A0092B-C50C-407E-A947-70E740481C1C}">
-                        <a14:useLocalDpi xmlns:a14="http://schemas.microsoft.com/office/drawing/2010/main" val="0"/>
-                      </a:ext>
-                    </a:extLst>
-                  </a:blip>
-                  <a:stretch>
-                    <a:fillRect/>
-                  </a:stretch>
-                </p:blipFill>
-                <p:spPr>
-                  <a:xfrm>
-                    <a:off x="9866596" y="848676"/>
-                    <a:ext cx="569161" cy="569161"/>
-                  </a:xfrm>
-                  <a:prstGeom prst="rect">
-                    <a:avLst/>
-                  </a:prstGeom>
-                </p:spPr>
-              </p:pic>
-              <p:sp>
-                <p:nvSpPr>
-                  <p:cNvPr id="125" name="TextBox 124"/>
-                  <p:cNvSpPr txBox="1"/>
-                  <p:nvPr/>
-                </p:nvSpPr>
-                <p:spPr>
-                  <a:xfrm>
-                    <a:off x="9866595" y="1025534"/>
-                    <a:ext cx="569162" cy="215444"/>
-                  </a:xfrm>
-                  <a:prstGeom prst="rect">
-                    <a:avLst/>
-                  </a:prstGeom>
-                  <a:noFill/>
-                </p:spPr>
-                <p:txBody>
-                  <a:bodyPr wrap="square" rtlCol="0">
-                    <a:spAutoFit/>
-                  </a:bodyPr>
-                  <a:lstStyle/>
-                  <a:p>
-                    <a:pPr algn="ctr"/>
-                    <a:r>
-                      <a:rPr lang="en-US" sz="800" dirty="0">
-                        <a:solidFill>
-                          <a:schemeClr val="bg1"/>
-                        </a:solidFill>
-                        <a:latin typeface="Segoe UI Light" panose="020B0502040204020203" pitchFamily="34" charset="0"/>
-                        <a:cs typeface="Segoe UI Light" panose="020B0502040204020203" pitchFamily="34" charset="0"/>
-                      </a:rPr>
-                      <a:t>master</a:t>
-                    </a:r>
-                  </a:p>
-                </p:txBody>
-              </p:sp>
-              <p:pic>
-                <p:nvPicPr>
-                  <p:cNvPr id="126" name="Picture 125"/>
-                  <p:cNvPicPr>
-                    <a:picLocks noChangeAspect="1"/>
-                  </p:cNvPicPr>
-                  <p:nvPr/>
-                </p:nvPicPr>
-                <p:blipFill>
-                  <a:blip r:embed="rId5">
-                    <a:extLst>
-                      <a:ext uri="{28A0092B-C50C-407E-A947-70E740481C1C}">
-                        <a14:useLocalDpi xmlns:a14="http://schemas.microsoft.com/office/drawing/2010/main" val="0"/>
-                      </a:ext>
-                    </a:extLst>
-                  </a:blip>
-                  <a:stretch>
-                    <a:fillRect/>
-                  </a:stretch>
-                </p:blipFill>
-                <p:spPr>
-                  <a:xfrm>
-                    <a:off x="9199732" y="848676"/>
-                    <a:ext cx="569161" cy="569161"/>
-                  </a:xfrm>
-                  <a:prstGeom prst="rect">
-                    <a:avLst/>
-                  </a:prstGeom>
-                </p:spPr>
-              </p:pic>
-              <p:sp>
-                <p:nvSpPr>
-                  <p:cNvPr id="127" name="TextBox 126"/>
-                  <p:cNvSpPr txBox="1"/>
-                  <p:nvPr/>
-                </p:nvSpPr>
-                <p:spPr>
-                  <a:xfrm>
-                    <a:off x="9199731" y="1025534"/>
-                    <a:ext cx="569162" cy="215444"/>
-                  </a:xfrm>
-                  <a:prstGeom prst="rect">
-                    <a:avLst/>
-                  </a:prstGeom>
-                  <a:noFill/>
-                </p:spPr>
-                <p:txBody>
-                  <a:bodyPr wrap="square" rtlCol="0">
-                    <a:spAutoFit/>
-                  </a:bodyPr>
-                  <a:lstStyle/>
-                  <a:p>
-                    <a:pPr algn="ctr"/>
-                    <a:r>
-                      <a:rPr lang="en-US" sz="800" dirty="0">
-                        <a:solidFill>
-                          <a:schemeClr val="bg1"/>
-                        </a:solidFill>
-                        <a:latin typeface="Segoe UI Light" panose="020B0502040204020203" pitchFamily="34" charset="0"/>
-                        <a:cs typeface="Segoe UI Light" panose="020B0502040204020203" pitchFamily="34" charset="0"/>
-                      </a:rPr>
-                      <a:t>develop</a:t>
-                    </a:r>
-                  </a:p>
-                </p:txBody>
-              </p:sp>
-            </p:grpSp>
-            <p:pic>
-              <p:nvPicPr>
-                <p:cNvPr id="12" name="Picture 11"/>
-                <p:cNvPicPr>
-                  <a:picLocks noChangeAspect="1"/>
-                </p:cNvPicPr>
-                <p:nvPr/>
-              </p:nvPicPr>
-              <p:blipFill>
-                <a:blip r:embed="rId13">
-                  <a:extLst>
-                    <a:ext uri="{28A0092B-C50C-407E-A947-70E740481C1C}">
-                      <a14:useLocalDpi xmlns:a14="http://schemas.microsoft.com/office/drawing/2010/main" val="0"/>
-                    </a:ext>
-                  </a:extLst>
-                </a:blip>
-                <a:stretch>
-                  <a:fillRect/>
-                </a:stretch>
-              </p:blipFill>
-              <p:spPr>
-                <a:xfrm>
-                  <a:off x="8737982" y="477636"/>
-                  <a:ext cx="371040" cy="371040"/>
-                </a:xfrm>
-                <a:prstGeom prst="rect">
-                  <a:avLst/>
-                </a:prstGeom>
-                <a:solidFill>
-                  <a:schemeClr val="bg1"/>
-                </a:solidFill>
-              </p:spPr>
-            </p:pic>
-            <p:sp>
-              <p:nvSpPr>
-                <p:cNvPr id="130" name="TextBox 129"/>
-                <p:cNvSpPr txBox="1"/>
-                <p:nvPr/>
-              </p:nvSpPr>
-              <p:spPr>
-                <a:xfrm>
-                  <a:off x="9041812" y="457803"/>
-                  <a:ext cx="1176108" cy="200055"/>
-                </a:xfrm>
-                <a:prstGeom prst="rect">
-                  <a:avLst/>
-                </a:prstGeom>
-                <a:noFill/>
-              </p:spPr>
-              <p:txBody>
-                <a:bodyPr wrap="square" rtlCol="0">
-                  <a:spAutoFit/>
-                </a:bodyPr>
-                <a:lstStyle/>
-                <a:p>
-                  <a:r>
-                    <a:rPr lang="en-US" sz="700" dirty="0">
-                      <a:latin typeface="Segoe UI Light" panose="020B0502040204020203" pitchFamily="34" charset="0"/>
-                      <a:cs typeface="Segoe UI Light" panose="020B0502040204020203" pitchFamily="34" charset="0"/>
-                    </a:rPr>
-                    <a:t>oxford-docs</a:t>
-                  </a:r>
-                </a:p>
-              </p:txBody>
-            </p:sp>
-          </p:grpSp>
-          <p:sp>
-            <p:nvSpPr>
-              <p:cNvPr id="133" name="TextBox 132"/>
-              <p:cNvSpPr txBox="1"/>
-              <p:nvPr/>
-            </p:nvSpPr>
-            <p:spPr>
-              <a:xfrm>
-                <a:off x="6573542" y="465812"/>
-                <a:ext cx="1176108" cy="200055"/>
-              </a:xfrm>
-              <a:prstGeom prst="rect">
-                <a:avLst/>
-              </a:prstGeom>
-              <a:noFill/>
-            </p:spPr>
-            <p:txBody>
-              <a:bodyPr wrap="square" rtlCol="0">
-                <a:spAutoFit/>
-              </a:bodyPr>
-              <a:lstStyle/>
-              <a:p>
-                <a:r>
-                  <a:rPr lang="en-US" sz="700" dirty="0">
-                    <a:latin typeface="Segoe UI Light" panose="020B0502040204020203" pitchFamily="34" charset="0"/>
-                    <a:cs typeface="Segoe UI Light" panose="020B0502040204020203" pitchFamily="34" charset="0"/>
-                  </a:rPr>
-                  <a:t>oxford-ci</a:t>
-                </a:r>
-              </a:p>
-            </p:txBody>
-          </p:sp>
-          <p:pic>
-            <p:nvPicPr>
-              <p:cNvPr id="11" name="Picture 10"/>
-              <p:cNvPicPr>
-                <a:picLocks noChangeAspect="1"/>
-              </p:cNvPicPr>
-              <p:nvPr/>
-            </p:nvPicPr>
-            <p:blipFill>
-              <a:blip r:embed="rId14">
-                <a:extLst>
-                  <a:ext uri="{28A0092B-C50C-407E-A947-70E740481C1C}">
-                    <a14:useLocalDpi xmlns:a14="http://schemas.microsoft.com/office/drawing/2010/main" val="0"/>
-                  </a:ext>
-                </a:extLst>
-              </a:blip>
-              <a:stretch>
-                <a:fillRect/>
-              </a:stretch>
-            </p:blipFill>
-            <p:spPr>
-              <a:xfrm>
-                <a:off x="6183397" y="457352"/>
-                <a:ext cx="390145" cy="390145"/>
-              </a:xfrm>
-              <a:prstGeom prst="rect">
-                <a:avLst/>
-              </a:prstGeom>
-              <a:solidFill>
-                <a:schemeClr val="bg1"/>
-              </a:solidFill>
-            </p:spPr>
-          </p:pic>
-        </p:grpSp>
       </p:grpSp>
-      <mc:AlternateContent xmlns:mc="http://schemas.openxmlformats.org/markup-compatibility/2006">
-        <mc:Choice xmlns:p14="http://schemas.microsoft.com/office/powerpoint/2010/main" Requires="p14">
-          <p:contentPart p14:bwMode="auto" r:id="rId15">
-            <p14:nvContentPartPr>
-              <p14:cNvPr id="147" name="Ink 146"/>
-              <p14:cNvContentPartPr/>
-              <p14:nvPr/>
-            </p14:nvContentPartPr>
-            <p14:xfrm>
-              <a:off x="7183473" y="1939582"/>
-              <a:ext cx="21240" cy="21240"/>
-            </p14:xfrm>
-          </p:contentPart>
-        </mc:Choice>
-        <mc:Fallback>
-          <p:pic>
-            <p:nvPicPr>
-              <p:cNvPr id="147" name="Ink 146"/>
-              <p:cNvPicPr/>
-              <p:nvPr/>
-            </p:nvPicPr>
-            <p:blipFill>
-              <a:blip r:embed="rId16"/>
-              <a:stretch>
-                <a:fillRect/>
-              </a:stretch>
-            </p:blipFill>
-            <p:spPr>
-              <a:xfrm>
-                <a:off x="7180233" y="1936702"/>
-                <a:ext cx="27360" cy="27360"/>
-              </a:xfrm>
-              <a:prstGeom prst="rect">
-                <a:avLst/>
-              </a:prstGeom>
-            </p:spPr>
-          </p:pic>
-        </mc:Fallback>
-      </mc:AlternateContent>
-      <p:grpSp>
-        <p:nvGrpSpPr>
-          <p:cNvPr id="3" name="Group 2"/>
-          <p:cNvGrpSpPr/>
+      <p:pic>
+        <p:nvPicPr>
+          <p:cNvPr id="128" name="Picture 4" descr="http://tse1.mm.bing.net/th?&amp;id=OIP.M934882fce3be77c5bb8e1870dec5f6f1o0&amp;w=201&amp;h=177&amp;c=0&amp;pid=1.9&amp;rs=0&amp;p=0&amp;r=0"/>
+          <p:cNvPicPr>
+            <a:picLocks noChangeAspect="1" noChangeArrowheads="1"/>
+          </p:cNvPicPr>
           <p:nvPr/>
-        </p:nvGrpSpPr>
-        <p:grpSpPr>
-          <a:xfrm>
-            <a:off x="755853" y="126377"/>
-            <a:ext cx="2782025" cy="2404838"/>
-            <a:chOff x="671946" y="96128"/>
-            <a:chExt cx="2782025" cy="2404838"/>
-          </a:xfrm>
-        </p:grpSpPr>
-        <p:sp>
-          <p:nvSpPr>
-            <p:cNvPr id="2" name="Rectangle 1"/>
-            <p:cNvSpPr/>
-            <p:nvPr/>
-          </p:nvSpPr>
-          <p:spPr>
-            <a:xfrm>
-              <a:off x="671946" y="96128"/>
-              <a:ext cx="2557804" cy="2189871"/>
-            </a:xfrm>
-            <a:prstGeom prst="rect">
-              <a:avLst/>
-            </a:prstGeom>
-            <a:noFill/>
-            <a:ln>
-              <a:solidFill>
-                <a:srgbClr val="388ACF"/>
-              </a:solidFill>
-              <a:prstDash val="sysDot"/>
-            </a:ln>
-          </p:spPr>
-          <p:style>
-            <a:lnRef idx="2">
-              <a:schemeClr val="accent1">
-                <a:shade val="50000"/>
-              </a:schemeClr>
-            </a:lnRef>
-            <a:fillRef idx="1">
-              <a:schemeClr val="accent1"/>
-            </a:fillRef>
-            <a:effectRef idx="0">
-              <a:schemeClr val="accent1"/>
-            </a:effectRef>
-            <a:fontRef idx="minor">
-              <a:schemeClr val="lt1"/>
-            </a:fontRef>
-          </p:style>
-          <p:txBody>
-            <a:bodyPr rtlCol="0" anchor="ctr"/>
-            <a:lstStyle/>
-            <a:p>
-              <a:pPr algn="ctr"/>
-              <a:endParaRPr lang="en-US"/>
-            </a:p>
-          </p:txBody>
-        </p:sp>
-        <p:grpSp>
-          <p:nvGrpSpPr>
-            <p:cNvPr id="83" name="Group 82"/>
-            <p:cNvGrpSpPr/>
-            <p:nvPr/>
-          </p:nvGrpSpPr>
-          <p:grpSpPr>
-            <a:xfrm>
-              <a:off x="817379" y="242455"/>
-              <a:ext cx="2257944" cy="908892"/>
-              <a:chOff x="533401" y="193964"/>
-              <a:chExt cx="2257944" cy="908892"/>
-            </a:xfrm>
-          </p:grpSpPr>
-          <p:pic>
-            <p:nvPicPr>
-              <p:cNvPr id="17" name="Picture 16"/>
-              <p:cNvPicPr>
-                <a:picLocks noChangeAspect="1"/>
-              </p:cNvPicPr>
-              <p:nvPr/>
-            </p:nvPicPr>
-            <p:blipFill>
-              <a:blip r:embed="rId17">
-                <a:extLst>
-                  <a:ext uri="{28A0092B-C50C-407E-A947-70E740481C1C}">
-                    <a14:useLocalDpi xmlns:a14="http://schemas.microsoft.com/office/drawing/2010/main" val="0"/>
-                  </a:ext>
-                </a:extLst>
-              </a:blip>
-              <a:stretch>
-                <a:fillRect/>
-              </a:stretch>
-            </p:blipFill>
-            <p:spPr>
-              <a:xfrm>
-                <a:off x="2243136" y="554647"/>
-                <a:ext cx="548209" cy="548209"/>
-              </a:xfrm>
-              <a:prstGeom prst="rect">
-                <a:avLst/>
-              </a:prstGeom>
-            </p:spPr>
-          </p:pic>
-          <p:grpSp>
-            <p:nvGrpSpPr>
-              <p:cNvPr id="80" name="Group 79"/>
-              <p:cNvGrpSpPr/>
-              <p:nvPr/>
-            </p:nvGrpSpPr>
-            <p:grpSpPr>
-              <a:xfrm>
-                <a:off x="702587" y="301422"/>
-                <a:ext cx="1560874" cy="376137"/>
-                <a:chOff x="793154" y="1082037"/>
-                <a:chExt cx="1560874" cy="376137"/>
-              </a:xfrm>
-            </p:grpSpPr>
-            <p:sp>
-              <p:nvSpPr>
-                <p:cNvPr id="79" name="Rectangle 78"/>
-                <p:cNvSpPr/>
-                <p:nvPr/>
-              </p:nvSpPr>
-              <p:spPr>
-                <a:xfrm>
-                  <a:off x="1169291" y="1082037"/>
-                  <a:ext cx="1184737" cy="376137"/>
-                </a:xfrm>
-                <a:prstGeom prst="rect">
-                  <a:avLst/>
-                </a:prstGeom>
-                <a:solidFill>
-                  <a:srgbClr val="019681"/>
-                </a:solidFill>
-                <a:ln>
-                  <a:noFill/>
-                </a:ln>
-              </p:spPr>
-              <p:style>
-                <a:lnRef idx="2">
-                  <a:schemeClr val="accent1">
-                    <a:shade val="50000"/>
-                  </a:schemeClr>
-                </a:lnRef>
-                <a:fillRef idx="1">
-                  <a:schemeClr val="accent1"/>
-                </a:fillRef>
-                <a:effectRef idx="0">
-                  <a:schemeClr val="accent1"/>
-                </a:effectRef>
-                <a:fontRef idx="minor">
-                  <a:schemeClr val="lt1"/>
-                </a:fontRef>
-              </p:style>
-              <p:txBody>
-                <a:bodyPr rtlCol="0" anchor="ctr"/>
-                <a:lstStyle/>
-                <a:p>
-                  <a:pPr algn="ctr"/>
-                  <a:endParaRPr lang="en-US"/>
-                </a:p>
-              </p:txBody>
-            </p:sp>
-            <p:pic>
-              <p:nvPicPr>
-                <p:cNvPr id="77" name="Picture 76"/>
-                <p:cNvPicPr>
-                  <a:picLocks noChangeAspect="1"/>
-                </p:cNvPicPr>
-                <p:nvPr/>
-              </p:nvPicPr>
-              <p:blipFill>
-                <a:blip r:embed="rId18">
-                  <a:extLst>
-                    <a:ext uri="{28A0092B-C50C-407E-A947-70E740481C1C}">
-                      <a14:useLocalDpi xmlns:a14="http://schemas.microsoft.com/office/drawing/2010/main" val="0"/>
-                    </a:ext>
-                  </a:extLst>
-                </a:blip>
-                <a:stretch>
-                  <a:fillRect/>
-                </a:stretch>
-              </p:blipFill>
-              <p:spPr>
-                <a:xfrm>
-                  <a:off x="793154" y="1082037"/>
-                  <a:ext cx="376137" cy="376137"/>
-                </a:xfrm>
-                <a:prstGeom prst="rect">
-                  <a:avLst/>
-                </a:prstGeom>
-              </p:spPr>
-            </p:pic>
-            <p:sp>
-              <p:nvSpPr>
-                <p:cNvPr id="81" name="TextBox 80"/>
-                <p:cNvSpPr txBox="1"/>
-                <p:nvPr/>
-              </p:nvSpPr>
-              <p:spPr>
-                <a:xfrm>
-                  <a:off x="1073727" y="1166349"/>
-                  <a:ext cx="1280301" cy="200055"/>
-                </a:xfrm>
-                <a:prstGeom prst="rect">
-                  <a:avLst/>
-                </a:prstGeom>
-                <a:noFill/>
-              </p:spPr>
-              <p:txBody>
-                <a:bodyPr wrap="square" rtlCol="0">
-                  <a:spAutoFit/>
-                </a:bodyPr>
-                <a:lstStyle/>
-                <a:p>
-                  <a:r>
-                    <a:rPr lang="en-US" sz="700" dirty="0" err="1">
-                      <a:solidFill>
-                        <a:schemeClr val="bg1"/>
-                      </a:solidFill>
-                      <a:latin typeface="Segoe UI Light" panose="020B0502040204020203" pitchFamily="34" charset="0"/>
-                      <a:cs typeface="Segoe UI Light" panose="020B0502040204020203" pitchFamily="34" charset="0"/>
-                    </a:rPr>
-                    <a:t>Microsoft.ProjectOxford.Text</a:t>
-                  </a:r>
-                  <a:endParaRPr lang="en-US" sz="700" dirty="0">
-                    <a:solidFill>
-                      <a:schemeClr val="bg1"/>
-                    </a:solidFill>
-                    <a:latin typeface="Segoe UI Light" panose="020B0502040204020203" pitchFamily="34" charset="0"/>
-                    <a:cs typeface="Segoe UI Light" panose="020B0502040204020203" pitchFamily="34" charset="0"/>
-                  </a:endParaRPr>
-                </a:p>
-              </p:txBody>
-            </p:sp>
-          </p:grpSp>
-          <p:sp>
-            <p:nvSpPr>
-              <p:cNvPr id="82" name="Rectangle 81"/>
-              <p:cNvSpPr/>
-              <p:nvPr/>
-            </p:nvSpPr>
-            <p:spPr>
-              <a:xfrm>
-                <a:off x="533401" y="193964"/>
-                <a:ext cx="1899246" cy="591053"/>
-              </a:xfrm>
-              <a:prstGeom prst="rect">
-                <a:avLst/>
-              </a:prstGeom>
-              <a:noFill/>
-              <a:ln>
-                <a:solidFill>
-                  <a:srgbClr val="1D8500"/>
-                </a:solidFill>
-                <a:prstDash val="sysDot"/>
-              </a:ln>
-            </p:spPr>
-            <p:style>
-              <a:lnRef idx="2">
-                <a:schemeClr val="accent1">
-                  <a:shade val="50000"/>
-                </a:schemeClr>
-              </a:lnRef>
-              <a:fillRef idx="1">
-                <a:schemeClr val="accent1"/>
-              </a:fillRef>
-              <a:effectRef idx="0">
-                <a:schemeClr val="accent1"/>
-              </a:effectRef>
-              <a:fontRef idx="minor">
-                <a:schemeClr val="lt1"/>
-              </a:fontRef>
-            </p:style>
-            <p:txBody>
-              <a:bodyPr rtlCol="0" anchor="ctr"/>
-              <a:lstStyle/>
-              <a:p>
-                <a:pPr algn="ctr"/>
-                <a:endParaRPr lang="en-US"/>
-              </a:p>
-            </p:txBody>
-          </p:sp>
-          <p:sp>
-            <p:nvSpPr>
-              <p:cNvPr id="89" name="TextBox 88"/>
-              <p:cNvSpPr txBox="1"/>
-              <p:nvPr/>
-            </p:nvSpPr>
-            <p:spPr>
-              <a:xfrm>
-                <a:off x="1724880" y="788806"/>
-                <a:ext cx="559317" cy="215444"/>
-              </a:xfrm>
-              <a:prstGeom prst="rect">
-                <a:avLst/>
-              </a:prstGeom>
-              <a:noFill/>
-            </p:spPr>
-            <p:txBody>
-              <a:bodyPr wrap="square" rtlCol="0">
-                <a:spAutoFit/>
-              </a:bodyPr>
-              <a:lstStyle/>
-              <a:p>
-                <a:pPr algn="r"/>
-                <a:r>
-                  <a:rPr lang="en-US" sz="800" dirty="0" err="1">
-                    <a:solidFill>
-                      <a:srgbClr val="1D8500"/>
-                    </a:solidFill>
-                    <a:latin typeface="Segoe UI Light" panose="020B0502040204020203" pitchFamily="34" charset="0"/>
-                    <a:cs typeface="Segoe UI Light" panose="020B0502040204020203" pitchFamily="34" charset="0"/>
-                  </a:rPr>
-                  <a:t>MyGet</a:t>
-                </a:r>
-                <a:endParaRPr lang="en-US" sz="800" dirty="0">
-                  <a:solidFill>
-                    <a:srgbClr val="1D8500"/>
-                  </a:solidFill>
-                  <a:latin typeface="Segoe UI Light" panose="020B0502040204020203" pitchFamily="34" charset="0"/>
-                  <a:cs typeface="Segoe UI Light" panose="020B0502040204020203" pitchFamily="34" charset="0"/>
-                </a:endParaRPr>
-              </a:p>
-            </p:txBody>
-          </p:sp>
-        </p:grpSp>
-        <p:grpSp>
-          <p:nvGrpSpPr>
-            <p:cNvPr id="88" name="Group 87"/>
-            <p:cNvGrpSpPr/>
-            <p:nvPr/>
-          </p:nvGrpSpPr>
-          <p:grpSpPr>
-            <a:xfrm>
-              <a:off x="839316" y="1121418"/>
-              <a:ext cx="2236007" cy="900666"/>
-              <a:chOff x="702587" y="1133831"/>
-              <a:chExt cx="2236007" cy="900666"/>
-            </a:xfrm>
-          </p:grpSpPr>
-          <p:grpSp>
-            <p:nvGrpSpPr>
-              <p:cNvPr id="91" name="Group 90"/>
-              <p:cNvGrpSpPr/>
-              <p:nvPr/>
-            </p:nvGrpSpPr>
-            <p:grpSpPr>
-              <a:xfrm>
-                <a:off x="702587" y="1133831"/>
-                <a:ext cx="1899246" cy="810286"/>
-                <a:chOff x="533401" y="193964"/>
-                <a:chExt cx="1899246" cy="810286"/>
-              </a:xfrm>
-            </p:grpSpPr>
-            <p:grpSp>
-              <p:nvGrpSpPr>
-                <p:cNvPr id="93" name="Group 92"/>
-                <p:cNvGrpSpPr/>
-                <p:nvPr/>
-              </p:nvGrpSpPr>
-              <p:grpSpPr>
-                <a:xfrm>
-                  <a:off x="702587" y="301422"/>
-                  <a:ext cx="1560874" cy="376137"/>
-                  <a:chOff x="793154" y="1082037"/>
-                  <a:chExt cx="1560874" cy="376137"/>
-                </a:xfrm>
-              </p:grpSpPr>
-              <p:sp>
-                <p:nvSpPr>
-                  <p:cNvPr id="96" name="Rectangle 95"/>
-                  <p:cNvSpPr/>
-                  <p:nvPr/>
-                </p:nvSpPr>
-                <p:spPr>
-                  <a:xfrm>
-                    <a:off x="1169291" y="1082037"/>
-                    <a:ext cx="1184737" cy="376137"/>
-                  </a:xfrm>
-                  <a:prstGeom prst="rect">
-                    <a:avLst/>
-                  </a:prstGeom>
-                  <a:solidFill>
-                    <a:srgbClr val="019681"/>
-                  </a:solidFill>
-                  <a:ln>
-                    <a:noFill/>
-                  </a:ln>
-                </p:spPr>
-                <p:style>
-                  <a:lnRef idx="2">
-                    <a:schemeClr val="accent1">
-                      <a:shade val="50000"/>
-                    </a:schemeClr>
-                  </a:lnRef>
-                  <a:fillRef idx="1">
-                    <a:schemeClr val="accent1"/>
-                  </a:fillRef>
-                  <a:effectRef idx="0">
-                    <a:schemeClr val="accent1"/>
-                  </a:effectRef>
-                  <a:fontRef idx="minor">
-                    <a:schemeClr val="lt1"/>
-                  </a:fontRef>
-                </p:style>
-                <p:txBody>
-                  <a:bodyPr rtlCol="0" anchor="ctr"/>
-                  <a:lstStyle/>
-                  <a:p>
-                    <a:pPr algn="ctr"/>
-                    <a:endParaRPr lang="en-US"/>
-                  </a:p>
-                </p:txBody>
-              </p:sp>
-              <p:pic>
-                <p:nvPicPr>
-                  <p:cNvPr id="97" name="Picture 96"/>
-                  <p:cNvPicPr>
-                    <a:picLocks noChangeAspect="1"/>
-                  </p:cNvPicPr>
-                  <p:nvPr/>
-                </p:nvPicPr>
-                <p:blipFill>
-                  <a:blip r:embed="rId18">
-                    <a:extLst>
-                      <a:ext uri="{28A0092B-C50C-407E-A947-70E740481C1C}">
-                        <a14:useLocalDpi xmlns:a14="http://schemas.microsoft.com/office/drawing/2010/main" val="0"/>
-                      </a:ext>
-                    </a:extLst>
-                  </a:blip>
-                  <a:stretch>
-                    <a:fillRect/>
-                  </a:stretch>
-                </p:blipFill>
-                <p:spPr>
-                  <a:xfrm>
-                    <a:off x="793154" y="1082037"/>
-                    <a:ext cx="376137" cy="376137"/>
-                  </a:xfrm>
-                  <a:prstGeom prst="rect">
-                    <a:avLst/>
-                  </a:prstGeom>
-                </p:spPr>
-              </p:pic>
-              <p:sp>
-                <p:nvSpPr>
-                  <p:cNvPr id="98" name="TextBox 97"/>
-                  <p:cNvSpPr txBox="1"/>
-                  <p:nvPr/>
-                </p:nvSpPr>
-                <p:spPr>
-                  <a:xfrm>
-                    <a:off x="1073727" y="1166349"/>
-                    <a:ext cx="1280301" cy="200055"/>
-                  </a:xfrm>
-                  <a:prstGeom prst="rect">
-                    <a:avLst/>
-                  </a:prstGeom>
-                  <a:noFill/>
-                </p:spPr>
-                <p:txBody>
-                  <a:bodyPr wrap="square" rtlCol="0">
-                    <a:spAutoFit/>
-                  </a:bodyPr>
-                  <a:lstStyle/>
-                  <a:p>
-                    <a:r>
-                      <a:rPr lang="en-US" sz="700" dirty="0" err="1">
-                        <a:solidFill>
-                          <a:schemeClr val="bg1"/>
-                        </a:solidFill>
-                        <a:latin typeface="Segoe UI Light" panose="020B0502040204020203" pitchFamily="34" charset="0"/>
-                        <a:cs typeface="Segoe UI Light" panose="020B0502040204020203" pitchFamily="34" charset="0"/>
-                      </a:rPr>
-                      <a:t>Microsoft.ProjectOxford.Text</a:t>
-                    </a:r>
-                    <a:endParaRPr lang="en-US" sz="700" dirty="0">
-                      <a:solidFill>
-                        <a:schemeClr val="bg1"/>
-                      </a:solidFill>
-                      <a:latin typeface="Segoe UI Light" panose="020B0502040204020203" pitchFamily="34" charset="0"/>
-                      <a:cs typeface="Segoe UI Light" panose="020B0502040204020203" pitchFamily="34" charset="0"/>
-                    </a:endParaRPr>
-                  </a:p>
-                </p:txBody>
-              </p:sp>
-            </p:grpSp>
-            <p:sp>
-              <p:nvSpPr>
-                <p:cNvPr id="94" name="Rectangle 93"/>
-                <p:cNvSpPr/>
-                <p:nvPr/>
-              </p:nvSpPr>
-              <p:spPr>
-                <a:xfrm>
-                  <a:off x="533401" y="193964"/>
-                  <a:ext cx="1899246" cy="591053"/>
-                </a:xfrm>
-                <a:prstGeom prst="rect">
-                  <a:avLst/>
-                </a:prstGeom>
-                <a:noFill/>
-                <a:ln>
-                  <a:solidFill>
-                    <a:srgbClr val="2B82CE"/>
-                  </a:solidFill>
-                  <a:prstDash val="sysDot"/>
-                </a:ln>
-              </p:spPr>
-              <p:style>
-                <a:lnRef idx="2">
-                  <a:schemeClr val="accent1">
-                    <a:shade val="50000"/>
-                  </a:schemeClr>
-                </a:lnRef>
-                <a:fillRef idx="1">
-                  <a:schemeClr val="accent1"/>
-                </a:fillRef>
-                <a:effectRef idx="0">
-                  <a:schemeClr val="accent1"/>
-                </a:effectRef>
-                <a:fontRef idx="minor">
-                  <a:schemeClr val="lt1"/>
-                </a:fontRef>
-              </p:style>
-              <p:txBody>
-                <a:bodyPr rtlCol="0" anchor="ctr"/>
-                <a:lstStyle/>
-                <a:p>
-                  <a:pPr algn="ctr"/>
-                  <a:endParaRPr lang="en-US"/>
-                </a:p>
-              </p:txBody>
-            </p:sp>
-            <p:sp>
-              <p:nvSpPr>
-                <p:cNvPr id="95" name="TextBox 94"/>
-                <p:cNvSpPr txBox="1"/>
-                <p:nvPr/>
-              </p:nvSpPr>
-              <p:spPr>
-                <a:xfrm>
-                  <a:off x="1724880" y="788806"/>
-                  <a:ext cx="559317" cy="215444"/>
-                </a:xfrm>
-                <a:prstGeom prst="rect">
-                  <a:avLst/>
-                </a:prstGeom>
-                <a:noFill/>
-              </p:spPr>
-              <p:txBody>
-                <a:bodyPr wrap="square" rtlCol="0">
-                  <a:spAutoFit/>
-                </a:bodyPr>
-                <a:lstStyle/>
-                <a:p>
-                  <a:pPr algn="r"/>
-                  <a:r>
-                    <a:rPr lang="en-US" sz="800" dirty="0" err="1">
-                      <a:solidFill>
-                        <a:srgbClr val="2B82CE"/>
-                      </a:solidFill>
-                      <a:latin typeface="Segoe UI Light" panose="020B0502040204020203" pitchFamily="34" charset="0"/>
-                      <a:cs typeface="Segoe UI Light" panose="020B0502040204020203" pitchFamily="34" charset="0"/>
-                    </a:rPr>
-                    <a:t>NuGet</a:t>
-                  </a:r>
-                  <a:endParaRPr lang="en-US" sz="800" dirty="0">
-                    <a:solidFill>
-                      <a:srgbClr val="2B82CE"/>
-                    </a:solidFill>
-                    <a:latin typeface="Segoe UI Light" panose="020B0502040204020203" pitchFamily="34" charset="0"/>
-                    <a:cs typeface="Segoe UI Light" panose="020B0502040204020203" pitchFamily="34" charset="0"/>
-                  </a:endParaRPr>
-                </a:p>
-              </p:txBody>
-            </p:sp>
-          </p:grpSp>
-          <p:pic>
-            <p:nvPicPr>
-              <p:cNvPr id="1028" name="Picture 4" descr="http://tse1.mm.bing.net/th?&amp;id=OIP.M934882fce3be77c5bb8e1870dec5f6f1o0&amp;w=201&amp;h=177&amp;c=0&amp;pid=1.9&amp;rs=0&amp;p=0&amp;r=0"/>
-              <p:cNvPicPr>
-                <a:picLocks noChangeAspect="1" noChangeArrowheads="1"/>
-              </p:cNvPicPr>
-              <p:nvPr/>
-            </p:nvPicPr>
-            <p:blipFill>
-              <a:blip r:embed="rId19">
-                <a:extLst>
-                  <a:ext uri="{28A0092B-C50C-407E-A947-70E740481C1C}">
-                    <a14:useLocalDpi xmlns:a14="http://schemas.microsoft.com/office/drawing/2010/main" val="0"/>
-                  </a:ext>
-                </a:extLst>
-              </a:blip>
-              <a:srcRect/>
-              <a:stretch>
-                <a:fillRect/>
-              </a:stretch>
-            </p:blipFill>
-            <p:spPr bwMode="auto">
-              <a:xfrm>
-                <a:off x="2432462" y="1588798"/>
-                <a:ext cx="506132" cy="445699"/>
-              </a:xfrm>
-              <a:prstGeom prst="rect">
-                <a:avLst/>
-              </a:prstGeom>
-              <a:noFill/>
-              <a:extLst>
-                <a:ext uri="{909E8E84-426E-40DD-AFC4-6F175D3DCCD1}">
-                  <a14:hiddenFill xmlns:a14="http://schemas.microsoft.com/office/drawing/2010/main">
-                    <a:solidFill>
-                      <a:srgbClr val="FFFFFF"/>
-                    </a:solidFill>
-                  </a14:hiddenFill>
-                </a:ext>
-              </a:extLst>
-            </p:spPr>
-          </p:pic>
-        </p:grpSp>
-        <p:pic>
-          <p:nvPicPr>
-            <p:cNvPr id="128" name="Picture 4" descr="http://tse1.mm.bing.net/th?&amp;id=OIP.M934882fce3be77c5bb8e1870dec5f6f1o0&amp;w=201&amp;h=177&amp;c=0&amp;pid=1.9&amp;rs=0&amp;p=0&amp;r=0"/>
-            <p:cNvPicPr>
-              <a:picLocks noChangeAspect="1" noChangeArrowheads="1"/>
-            </p:cNvPicPr>
-            <p:nvPr/>
-          </p:nvPicPr>
-          <p:blipFill>
-            <a:blip r:embed="rId19">
-              <a:extLst>
-                <a:ext uri="{28A0092B-C50C-407E-A947-70E740481C1C}">
-                  <a14:useLocalDpi xmlns:a14="http://schemas.microsoft.com/office/drawing/2010/main" val="0"/>
-                </a:ext>
-              </a:extLst>
-            </a:blip>
-            <a:srcRect/>
-            <a:stretch>
-              <a:fillRect/>
-            </a:stretch>
-          </p:blipFill>
-          <p:spPr bwMode="auto">
-            <a:xfrm>
-              <a:off x="2947839" y="2016965"/>
-              <a:ext cx="506132" cy="445699"/>
-            </a:xfrm>
-            <a:prstGeom prst="rect">
-              <a:avLst/>
-            </a:prstGeom>
-            <a:noFill/>
+        </p:nvPicPr>
+        <p:blipFill>
+          <a:blip r:embed="rId18">
             <a:extLst>
-              <a:ext uri="{909E8E84-426E-40DD-AFC4-6F175D3DCCD1}">
-                <a14:hiddenFill xmlns:a14="http://schemas.microsoft.com/office/drawing/2010/main">
-                  <a:solidFill>
-                    <a:srgbClr val="FFFFFF"/>
-                  </a:solidFill>
-                </a14:hiddenFill>
+              <a:ext uri="{28A0092B-C50C-407E-A947-70E740481C1C}">
+                <a14:useLocalDpi xmlns:a14="http://schemas.microsoft.com/office/drawing/2010/main" val="0"/>
               </a:ext>
             </a:extLst>
-          </p:spPr>
-        </p:pic>
-        <p:sp>
-          <p:nvSpPr>
-            <p:cNvPr id="129" name="TextBox 128"/>
-            <p:cNvSpPr txBox="1"/>
-            <p:nvPr/>
-          </p:nvSpPr>
-          <p:spPr>
-            <a:xfrm>
-              <a:off x="1825185" y="2285522"/>
-              <a:ext cx="1233489" cy="215444"/>
-            </a:xfrm>
-            <a:prstGeom prst="rect">
-              <a:avLst/>
-            </a:prstGeom>
-            <a:noFill/>
-          </p:spPr>
-          <p:txBody>
-            <a:bodyPr wrap="square" rtlCol="0">
-              <a:spAutoFit/>
-            </a:bodyPr>
-            <a:lstStyle/>
-            <a:p>
-              <a:pPr algn="r"/>
-              <a:r>
-                <a:rPr lang="en-US" sz="800" dirty="0" err="1">
-                  <a:solidFill>
-                    <a:srgbClr val="2B82CE"/>
-                  </a:solidFill>
-                  <a:latin typeface="Segoe UI Light" panose="020B0502040204020203" pitchFamily="34" charset="0"/>
-                  <a:cs typeface="Segoe UI Light" panose="020B0502040204020203" pitchFamily="34" charset="0"/>
-                </a:rPr>
-                <a:t>NuGet</a:t>
-              </a:r>
-              <a:r>
-                <a:rPr lang="en-US" sz="800" dirty="0">
-                  <a:solidFill>
-                    <a:srgbClr val="2B82CE"/>
-                  </a:solidFill>
-                  <a:latin typeface="Segoe UI Light" panose="020B0502040204020203" pitchFamily="34" charset="0"/>
-                  <a:cs typeface="Segoe UI Light" panose="020B0502040204020203" pitchFamily="34" charset="0"/>
-                </a:rPr>
-                <a:t> Package Sources</a:t>
-              </a:r>
-            </a:p>
-          </p:txBody>
-        </p:sp>
-      </p:grpSp>
+          </a:blip>
+          <a:srcRect/>
+          <a:stretch>
+            <a:fillRect/>
+          </a:stretch>
+        </p:blipFill>
+        <p:spPr bwMode="auto">
+          <a:xfrm>
+            <a:off x="3013125" y="1568311"/>
+            <a:ext cx="506132" cy="445699"/>
+          </a:xfrm>
+          <a:prstGeom prst="rect">
+            <a:avLst/>
+          </a:prstGeom>
+          <a:noFill/>
+          <a:extLst>
+            <a:ext uri="{909E8E84-426E-40DD-AFC4-6F175D3DCCD1}">
+              <a14:hiddenFill xmlns:a14="http://schemas.microsoft.com/office/drawing/2010/main">
+                <a:solidFill>
+                  <a:srgbClr val="FFFFFF"/>
+                </a:solidFill>
+              </a14:hiddenFill>
+            </a:ext>
+          </a:extLst>
+        </p:spPr>
+      </p:pic>
+      <p:sp>
+        <p:nvSpPr>
+          <p:cNvPr id="129" name="TextBox 128"/>
+          <p:cNvSpPr txBox="1"/>
+          <p:nvPr/>
+        </p:nvSpPr>
+        <p:spPr>
+          <a:xfrm>
+            <a:off x="1890471" y="1836868"/>
+            <a:ext cx="1233489" cy="215444"/>
+          </a:xfrm>
+          <a:prstGeom prst="rect">
+            <a:avLst/>
+          </a:prstGeom>
+          <a:noFill/>
+        </p:spPr>
+        <p:txBody>
+          <a:bodyPr wrap="square" rtlCol="0">
+            <a:spAutoFit/>
+          </a:bodyPr>
+          <a:lstStyle/>
+          <a:p>
+            <a:pPr algn="r"/>
+            <a:r>
+              <a:rPr lang="en-US" sz="800" dirty="0" err="1">
+                <a:solidFill>
+                  <a:srgbClr val="2B82CE"/>
+                </a:solidFill>
+                <a:latin typeface="Segoe UI Light" panose="020B0502040204020203" pitchFamily="34" charset="0"/>
+                <a:cs typeface="Segoe UI Light" panose="020B0502040204020203" pitchFamily="34" charset="0"/>
+              </a:rPr>
+              <a:t>NuGet</a:t>
+            </a:r>
+            <a:endParaRPr lang="en-US" sz="800" dirty="0">
+              <a:solidFill>
+                <a:srgbClr val="2B82CE"/>
+              </a:solidFill>
+              <a:latin typeface="Segoe UI Light" panose="020B0502040204020203" pitchFamily="34" charset="0"/>
+              <a:cs typeface="Segoe UI Light" panose="020B0502040204020203" pitchFamily="34" charset="0"/>
+            </a:endParaRPr>
+          </a:p>
+        </p:txBody>
+      </p:sp>
       <p:pic>
         <p:nvPicPr>
           <p:cNvPr id="116" name="Graphic 115"/>
@@ -14988,13 +13866,13 @@
           <p:nvPr/>
         </p:nvPicPr>
         <p:blipFill>
-          <a:blip r:embed="rId20">
+          <a:blip r:embed="rId19">
             <a:extLst>
               <a:ext uri="{28A0092B-C50C-407E-A947-70E740481C1C}">
                 <a14:useLocalDpi xmlns:a14="http://schemas.microsoft.com/office/drawing/2010/main" val="0"/>
               </a:ext>
               <a:ext uri="{96DAC541-7B7A-43D3-8B79-37D633B846F1}">
-                <asvg:svgBlip xmlns:asvg="http://schemas.microsoft.com/office/drawing/2016/SVG/main" r:embed="rId21"/>
+                <asvg:svgBlip xmlns:asvg="http://schemas.microsoft.com/office/drawing/2016/SVG/main" r:embed="rId20"/>
               </a:ext>
             </a:extLst>
           </a:blip>
@@ -15131,7 +14009,7 @@
           <p:nvPr/>
         </p:nvPicPr>
         <p:blipFill>
-          <a:blip r:embed="rId22">
+          <a:blip r:embed="rId21">
             <a:extLst>
               <a:ext uri="{28A0092B-C50C-407E-A947-70E740481C1C}">
                 <a14:useLocalDpi xmlns:a14="http://schemas.microsoft.com/office/drawing/2010/main" val="0"/>
@@ -15161,7 +14039,7 @@
           <p:nvPr/>
         </p:nvPicPr>
         <p:blipFill>
-          <a:blip r:embed="rId23">
+          <a:blip r:embed="rId22">
             <a:extLst>
               <a:ext uri="{28A0092B-C50C-407E-A947-70E740481C1C}">
                 <a14:useLocalDpi xmlns:a14="http://schemas.microsoft.com/office/drawing/2010/main" val="0"/>
@@ -15191,7 +14069,7 @@
           <p:nvPr/>
         </p:nvPicPr>
         <p:blipFill>
-          <a:blip r:embed="rId24">
+          <a:blip r:embed="rId23">
             <a:extLst>
               <a:ext uri="{28A0092B-C50C-407E-A947-70E740481C1C}">
                 <a14:useLocalDpi xmlns:a14="http://schemas.microsoft.com/office/drawing/2010/main" val="0"/>
@@ -15257,7 +14135,7 @@
           <p:nvPr/>
         </p:nvPicPr>
         <p:blipFill>
-          <a:blip r:embed="rId25">
+          <a:blip r:embed="rId24">
             <a:extLst>
               <a:ext uri="{28A0092B-C50C-407E-A947-70E740481C1C}">
                 <a14:useLocalDpi xmlns:a14="http://schemas.microsoft.com/office/drawing/2010/main" val="0"/>
@@ -15323,7 +14201,7 @@
           <p:nvPr/>
         </p:nvPicPr>
         <p:blipFill>
-          <a:blip r:embed="rId26">
+          <a:blip r:embed="rId25">
             <a:extLst>
               <a:ext uri="{28A0092B-C50C-407E-A947-70E740481C1C}">
                 <a14:useLocalDpi xmlns:a14="http://schemas.microsoft.com/office/drawing/2010/main" val="0"/>
@@ -15337,138 +14215,6 @@
         <p:spPr>
           <a:xfrm>
             <a:off x="4293253" y="836149"/>
-            <a:ext cx="390153" cy="390153"/>
-          </a:xfrm>
-          <a:prstGeom prst="rect">
-            <a:avLst/>
-          </a:prstGeom>
-        </p:spPr>
-      </p:pic>
-      <p:cxnSp>
-        <p:nvCxnSpPr>
-          <p:cNvPr id="39" name="Straight Arrow Connector 38"/>
-          <p:cNvCxnSpPr/>
-          <p:nvPr/>
-        </p:nvCxnSpPr>
-        <p:spPr>
-          <a:xfrm>
-            <a:off x="7539523" y="1939582"/>
-            <a:ext cx="1708950" cy="1288667"/>
-          </a:xfrm>
-          <a:prstGeom prst="straightConnector1">
-            <a:avLst/>
-          </a:prstGeom>
-          <a:ln>
-            <a:solidFill>
-              <a:srgbClr val="91D250"/>
-            </a:solidFill>
-            <a:tailEnd type="triangle"/>
-          </a:ln>
-        </p:spPr>
-        <p:style>
-          <a:lnRef idx="1">
-            <a:schemeClr val="accent1"/>
-          </a:lnRef>
-          <a:fillRef idx="0">
-            <a:schemeClr val="accent1"/>
-          </a:fillRef>
-          <a:effectRef idx="0">
-            <a:schemeClr val="accent1"/>
-          </a:effectRef>
-          <a:fontRef idx="minor">
-            <a:schemeClr val="tx1"/>
-          </a:fontRef>
-        </p:style>
-      </p:cxnSp>
-      <p:pic>
-        <p:nvPicPr>
-          <p:cNvPr id="40" name="Picture 39"/>
-          <p:cNvPicPr>
-            <a:picLocks noChangeAspect="1"/>
-          </p:cNvPicPr>
-          <p:nvPr/>
-        </p:nvPicPr>
-        <p:blipFill>
-          <a:blip r:embed="rId27">
-            <a:extLst>
-              <a:ext uri="{28A0092B-C50C-407E-A947-70E740481C1C}">
-                <a14:useLocalDpi xmlns:a14="http://schemas.microsoft.com/office/drawing/2010/main" val="0"/>
-              </a:ext>
-            </a:extLst>
-          </a:blip>
-          <a:stretch>
-            <a:fillRect/>
-          </a:stretch>
-        </p:blipFill>
-        <p:spPr>
-          <a:xfrm>
-            <a:off x="8825769" y="2520118"/>
-            <a:ext cx="390153" cy="390153"/>
-          </a:xfrm>
-          <a:prstGeom prst="rect">
-            <a:avLst/>
-          </a:prstGeom>
-        </p:spPr>
-      </p:pic>
-      <p:cxnSp>
-        <p:nvCxnSpPr>
-          <p:cNvPr id="42" name="Straight Arrow Connector 41"/>
-          <p:cNvCxnSpPr/>
-          <p:nvPr/>
-        </p:nvCxnSpPr>
-        <p:spPr>
-          <a:xfrm flipH="1" flipV="1">
-            <a:off x="8857963" y="1591373"/>
-            <a:ext cx="820764" cy="1516727"/>
-          </a:xfrm>
-          <a:prstGeom prst="straightConnector1">
-            <a:avLst/>
-          </a:prstGeom>
-          <a:ln>
-            <a:solidFill>
-              <a:srgbClr val="91D250"/>
-            </a:solidFill>
-            <a:tailEnd type="triangle"/>
-          </a:ln>
-        </p:spPr>
-        <p:style>
-          <a:lnRef idx="1">
-            <a:schemeClr val="accent1"/>
-          </a:lnRef>
-          <a:fillRef idx="0">
-            <a:schemeClr val="accent1"/>
-          </a:fillRef>
-          <a:effectRef idx="0">
-            <a:schemeClr val="accent1"/>
-          </a:effectRef>
-          <a:fontRef idx="minor">
-            <a:schemeClr val="tx1"/>
-          </a:fontRef>
-        </p:style>
-      </p:cxnSp>
-      <p:pic>
-        <p:nvPicPr>
-          <p:cNvPr id="43" name="Picture 42"/>
-          <p:cNvPicPr>
-            <a:picLocks noChangeAspect="1"/>
-          </p:cNvPicPr>
-          <p:nvPr/>
-        </p:nvPicPr>
-        <p:blipFill>
-          <a:blip r:embed="rId28">
-            <a:extLst>
-              <a:ext uri="{28A0092B-C50C-407E-A947-70E740481C1C}">
-                <a14:useLocalDpi xmlns:a14="http://schemas.microsoft.com/office/drawing/2010/main" val="0"/>
-              </a:ext>
-            </a:extLst>
-          </a:blip>
-          <a:stretch>
-            <a:fillRect/>
-          </a:stretch>
-        </p:blipFill>
-        <p:spPr>
-          <a:xfrm>
-            <a:off x="9113970" y="1625589"/>
             <a:ext cx="390153" cy="390153"/>
           </a:xfrm>
           <a:prstGeom prst="rect">
@@ -15512,36 +14258,6 @@
           </a:fontRef>
         </p:style>
       </p:cxnSp>
-      <p:pic>
-        <p:nvPicPr>
-          <p:cNvPr id="84" name="Picture 83"/>
-          <p:cNvPicPr>
-            <a:picLocks noChangeAspect="1"/>
-          </p:cNvPicPr>
-          <p:nvPr/>
-        </p:nvPicPr>
-        <p:blipFill>
-          <a:blip r:embed="rId29">
-            <a:extLst>
-              <a:ext uri="{28A0092B-C50C-407E-A947-70E740481C1C}">
-                <a14:useLocalDpi xmlns:a14="http://schemas.microsoft.com/office/drawing/2010/main" val="0"/>
-              </a:ext>
-            </a:extLst>
-          </a:blip>
-          <a:stretch>
-            <a:fillRect/>
-          </a:stretch>
-        </p:blipFill>
-        <p:spPr>
-          <a:xfrm>
-            <a:off x="3926872" y="4824240"/>
-            <a:ext cx="390153" cy="390153"/>
-          </a:xfrm>
-          <a:prstGeom prst="rect">
-            <a:avLst/>
-          </a:prstGeom>
-        </p:spPr>
-      </p:pic>
       <p:cxnSp>
         <p:nvCxnSpPr>
           <p:cNvPr id="86" name="Straight Arrow Connector 85"/>
@@ -15578,36 +14294,6 @@
           </a:fontRef>
         </p:style>
       </p:cxnSp>
-      <p:pic>
-        <p:nvPicPr>
-          <p:cNvPr id="87" name="Picture 86"/>
-          <p:cNvPicPr>
-            <a:picLocks noChangeAspect="1"/>
-          </p:cNvPicPr>
-          <p:nvPr/>
-        </p:nvPicPr>
-        <p:blipFill>
-          <a:blip r:embed="rId30">
-            <a:extLst>
-              <a:ext uri="{28A0092B-C50C-407E-A947-70E740481C1C}">
-                <a14:useLocalDpi xmlns:a14="http://schemas.microsoft.com/office/drawing/2010/main" val="0"/>
-              </a:ext>
-            </a:extLst>
-          </a:blip>
-          <a:stretch>
-            <a:fillRect/>
-          </a:stretch>
-        </p:blipFill>
-        <p:spPr>
-          <a:xfrm>
-            <a:off x="1392428" y="3777901"/>
-            <a:ext cx="390153" cy="390153"/>
-          </a:xfrm>
-          <a:prstGeom prst="rect">
-            <a:avLst/>
-          </a:prstGeom>
-        </p:spPr>
-      </p:pic>
       <p:grpSp>
         <p:nvGrpSpPr>
           <p:cNvPr id="140" name="Group 139"/>
@@ -15727,7 +14413,7 @@
             <p:nvPr/>
           </p:nvPicPr>
           <p:blipFill>
-            <a:blip r:embed="rId31">
+            <a:blip r:embed="rId26">
               <a:duotone>
                 <a:prstClr val="black"/>
                 <a:srgbClr val="019681">
@@ -15811,6 +14497,66 @@
           </p:txBody>
         </p:sp>
       </p:grpSp>
+      <p:pic>
+        <p:nvPicPr>
+          <p:cNvPr id="132" name="Picture 131"/>
+          <p:cNvPicPr>
+            <a:picLocks noChangeAspect="1"/>
+          </p:cNvPicPr>
+          <p:nvPr/>
+        </p:nvPicPr>
+        <p:blipFill>
+          <a:blip r:embed="rId27">
+            <a:extLst>
+              <a:ext uri="{28A0092B-C50C-407E-A947-70E740481C1C}">
+                <a14:useLocalDpi xmlns:a14="http://schemas.microsoft.com/office/drawing/2010/main" val="0"/>
+              </a:ext>
+            </a:extLst>
+          </a:blip>
+          <a:stretch>
+            <a:fillRect/>
+          </a:stretch>
+        </p:blipFill>
+        <p:spPr>
+          <a:xfrm>
+            <a:off x="3946768" y="4820739"/>
+            <a:ext cx="390153" cy="390153"/>
+          </a:xfrm>
+          <a:prstGeom prst="rect">
+            <a:avLst/>
+          </a:prstGeom>
+        </p:spPr>
+      </p:pic>
+      <p:pic>
+        <p:nvPicPr>
+          <p:cNvPr id="134" name="Picture 133"/>
+          <p:cNvPicPr>
+            <a:picLocks noChangeAspect="1"/>
+          </p:cNvPicPr>
+          <p:nvPr/>
+        </p:nvPicPr>
+        <p:blipFill>
+          <a:blip r:embed="rId28">
+            <a:extLst>
+              <a:ext uri="{28A0092B-C50C-407E-A947-70E740481C1C}">
+                <a14:useLocalDpi xmlns:a14="http://schemas.microsoft.com/office/drawing/2010/main" val="0"/>
+              </a:ext>
+            </a:extLst>
+          </a:blip>
+          <a:stretch>
+            <a:fillRect/>
+          </a:stretch>
+        </p:blipFill>
+        <p:spPr>
+          <a:xfrm>
+            <a:off x="1342337" y="3791734"/>
+            <a:ext cx="390153" cy="390153"/>
+          </a:xfrm>
+          <a:prstGeom prst="rect">
+            <a:avLst/>
+          </a:prstGeom>
+        </p:spPr>
+      </p:pic>
     </p:spTree>
     <p:extLst>
       <p:ext uri="{BB962C8B-B14F-4D97-AF65-F5344CB8AC3E}">
@@ -18536,8 +17282,8 @@
           </p:pic>
         </p:grpSp>
       </p:grpSp>
-      <mc:AlternateContent xmlns:mc="http://schemas.openxmlformats.org/markup-compatibility/2006">
-        <mc:Choice xmlns:p14="http://schemas.microsoft.com/office/powerpoint/2010/main" Requires="p14">
+      <mc:AlternateContent xmlns:mc="http://schemas.openxmlformats.org/markup-compatibility/2006" xmlns:p14="http://schemas.microsoft.com/office/powerpoint/2010/main">
+        <mc:Choice Requires="p14">
           <p:contentPart p14:bwMode="auto" r:id="rId15">
             <p14:nvContentPartPr>
               <p14:cNvPr id="147" name="Ink 146"/>
@@ -18550,7 +17296,7 @@
             </p14:xfrm>
           </p:contentPart>
         </mc:Choice>
-        <mc:Fallback>
+        <mc:Fallback xmlns="">
           <p:pic>
             <p:nvPicPr>
               <p:cNvPr id="147" name="Ink 146"/>
@@ -22389,8 +21135,8 @@
           </p:pic>
         </p:grpSp>
       </p:grpSp>
-      <mc:AlternateContent xmlns:mc="http://schemas.openxmlformats.org/markup-compatibility/2006">
-        <mc:Choice xmlns:p14="http://schemas.microsoft.com/office/powerpoint/2010/main" Requires="p14">
+      <mc:AlternateContent xmlns:mc="http://schemas.openxmlformats.org/markup-compatibility/2006" xmlns:p14="http://schemas.microsoft.com/office/powerpoint/2010/main">
+        <mc:Choice Requires="p14">
           <p:contentPart p14:bwMode="auto" r:id="rId15">
             <p14:nvContentPartPr>
               <p14:cNvPr id="147" name="Ink 146"/>
@@ -22403,7 +21149,7 @@
             </p14:xfrm>
           </p:contentPart>
         </mc:Choice>
-        <mc:Fallback>
+        <mc:Fallback xmlns="">
           <p:pic>
             <p:nvPicPr>
               <p:cNvPr id="147" name="Ink 146"/>
@@ -26354,8 +25100,8 @@
           </p:pic>
         </p:grpSp>
       </p:grpSp>
-      <mc:AlternateContent xmlns:mc="http://schemas.openxmlformats.org/markup-compatibility/2006">
-        <mc:Choice xmlns:p14="http://schemas.microsoft.com/office/powerpoint/2010/main" Requires="p14">
+      <mc:AlternateContent xmlns:mc="http://schemas.openxmlformats.org/markup-compatibility/2006" xmlns:p14="http://schemas.microsoft.com/office/powerpoint/2010/main">
+        <mc:Choice Requires="p14">
           <p:contentPart p14:bwMode="auto" r:id="rId15">
             <p14:nvContentPartPr>
               <p14:cNvPr id="147" name="Ink 146"/>
@@ -26368,7 +25114,7 @@
             </p14:xfrm>
           </p:contentPart>
         </mc:Choice>
-        <mc:Fallback>
+        <mc:Fallback xmlns="">
           <p:pic>
             <p:nvPicPr>
               <p:cNvPr id="147" name="Ink 146"/>
@@ -30401,8 +29147,8 @@
           </p:pic>
         </p:grpSp>
       </p:grpSp>
-      <mc:AlternateContent xmlns:mc="http://schemas.openxmlformats.org/markup-compatibility/2006">
-        <mc:Choice xmlns:p14="http://schemas.microsoft.com/office/powerpoint/2010/main" Requires="p14">
+      <mc:AlternateContent xmlns:mc="http://schemas.openxmlformats.org/markup-compatibility/2006" xmlns:p14="http://schemas.microsoft.com/office/powerpoint/2010/main">
+        <mc:Choice Requires="p14">
           <p:contentPart p14:bwMode="auto" r:id="rId15">
             <p14:nvContentPartPr>
               <p14:cNvPr id="147" name="Ink 146"/>
@@ -30415,7 +29161,7 @@
             </p14:xfrm>
           </p:contentPart>
         </mc:Choice>
-        <mc:Fallback>
+        <mc:Fallback xmlns="">
           <p:pic>
             <p:nvPicPr>
               <p:cNvPr id="147" name="Ink 146"/>
@@ -31351,10 +30097,6 @@
               </a:rPr>
               <a:t> Slack team.</a:t>
             </a:r>
-            <a:endParaRPr lang="en-US" sz="1200" dirty="0">
-              <a:latin typeface="Segoe UI Light" panose="020B0502040204020203" pitchFamily="34" charset="0"/>
-              <a:cs typeface="Segoe UI Light" panose="020B0502040204020203" pitchFamily="34" charset="0"/>
-            </a:endParaRPr>
           </a:p>
           <a:p>
             <a:r>
@@ -34571,8 +33313,8 @@
           </p:pic>
         </p:grpSp>
       </p:grpSp>
-      <mc:AlternateContent xmlns:mc="http://schemas.openxmlformats.org/markup-compatibility/2006">
-        <mc:Choice xmlns:p14="http://schemas.microsoft.com/office/powerpoint/2010/main" Requires="p14">
+      <mc:AlternateContent xmlns:mc="http://schemas.openxmlformats.org/markup-compatibility/2006" xmlns:p14="http://schemas.microsoft.com/office/powerpoint/2010/main">
+        <mc:Choice Requires="p14">
           <p:contentPart p14:bwMode="auto" r:id="rId15">
             <p14:nvContentPartPr>
               <p14:cNvPr id="147" name="Ink 146"/>
@@ -34585,7 +33327,7 @@
             </p14:xfrm>
           </p:contentPart>
         </mc:Choice>
-        <mc:Fallback>
+        <mc:Fallback xmlns="">
           <p:pic>
             <p:nvPicPr>
               <p:cNvPr id="147" name="Ink 146"/>
@@ -35549,10 +34291,6 @@
               </a:rPr>
               <a:t> for the master branch).</a:t>
             </a:r>
-            <a:endParaRPr lang="en-US" sz="1200" dirty="0">
-              <a:latin typeface="Segoe UI Light" panose="020B0502040204020203" pitchFamily="34" charset="0"/>
-              <a:cs typeface="Segoe UI Light" panose="020B0502040204020203" pitchFamily="34" charset="0"/>
-            </a:endParaRPr>
           </a:p>
           <a:p>
             <a:r>
@@ -38865,8 +37603,8 @@
           </p:pic>
         </p:grpSp>
       </p:grpSp>
-      <mc:AlternateContent xmlns:mc="http://schemas.openxmlformats.org/markup-compatibility/2006">
-        <mc:Choice xmlns:p14="http://schemas.microsoft.com/office/powerpoint/2010/main" Requires="p14">
+      <mc:AlternateContent xmlns:mc="http://schemas.openxmlformats.org/markup-compatibility/2006" xmlns:p14="http://schemas.microsoft.com/office/powerpoint/2010/main">
+        <mc:Choice Requires="p14">
           <p:contentPart p14:bwMode="auto" r:id="rId15">
             <p14:nvContentPartPr>
               <p14:cNvPr id="147" name="Ink 146"/>
@@ -38879,7 +37617,7 @@
             </p14:xfrm>
           </p:contentPart>
         </mc:Choice>
-        <mc:Fallback>
+        <mc:Fallback xmlns="">
           <p:pic>
             <p:nvPicPr>
               <p:cNvPr id="147" name="Ink 146"/>
@@ -39787,10 +38525,6 @@
               </a:rPr>
               <a:t>Upon a successful build, Jenkins push generated documentation to the oxford-docs GitHub repo.</a:t>
             </a:r>
-            <a:endParaRPr lang="en-US" sz="1200" dirty="0">
-              <a:latin typeface="Segoe UI Light" panose="020B0502040204020203" pitchFamily="34" charset="0"/>
-              <a:cs typeface="Segoe UI Light" panose="020B0502040204020203" pitchFamily="34" charset="0"/>
-            </a:endParaRPr>
           </a:p>
           <a:p>
             <a:r>
@@ -43199,8 +41933,8 @@
           </p:pic>
         </p:grpSp>
       </p:grpSp>
-      <mc:AlternateContent xmlns:mc="http://schemas.openxmlformats.org/markup-compatibility/2006">
-        <mc:Choice xmlns:p14="http://schemas.microsoft.com/office/powerpoint/2010/main" Requires="p14">
+      <mc:AlternateContent xmlns:mc="http://schemas.openxmlformats.org/markup-compatibility/2006" xmlns:p14="http://schemas.microsoft.com/office/powerpoint/2010/main">
+        <mc:Choice Requires="p14">
           <p:contentPart p14:bwMode="auto" r:id="rId15">
             <p14:nvContentPartPr>
               <p14:cNvPr id="147" name="Ink 146"/>
@@ -43213,7 +41947,7 @@
             </p14:xfrm>
           </p:contentPart>
         </mc:Choice>
-        <mc:Fallback>
+        <mc:Fallback xmlns="">
           <p:pic>
             <p:nvPicPr>
               <p:cNvPr id="147" name="Ink 146"/>
@@ -44121,10 +42855,6 @@
               </a:rPr>
               <a:t>The oxford-docs repo is pushed to an Azure web app.</a:t>
             </a:r>
-            <a:endParaRPr lang="en-US" sz="1200" dirty="0">
-              <a:latin typeface="Segoe UI Light" panose="020B0502040204020203" pitchFamily="34" charset="0"/>
-              <a:cs typeface="Segoe UI Light" panose="020B0502040204020203" pitchFamily="34" charset="0"/>
-            </a:endParaRPr>
           </a:p>
           <a:p>
             <a:r>
@@ -47629,8 +46359,8 @@
           </p:pic>
         </p:grpSp>
       </p:grpSp>
-      <mc:AlternateContent xmlns:mc="http://schemas.openxmlformats.org/markup-compatibility/2006">
-        <mc:Choice xmlns:p14="http://schemas.microsoft.com/office/powerpoint/2010/main" Requires="p14">
+      <mc:AlternateContent xmlns:mc="http://schemas.openxmlformats.org/markup-compatibility/2006" xmlns:p14="http://schemas.microsoft.com/office/powerpoint/2010/main">
+        <mc:Choice Requires="p14">
           <p:contentPart p14:bwMode="auto" r:id="rId15">
             <p14:nvContentPartPr>
               <p14:cNvPr id="147" name="Ink 146"/>
@@ -47643,7 +46373,7 @@
             </p14:xfrm>
           </p:contentPart>
         </mc:Choice>
-        <mc:Fallback>
+        <mc:Fallback xmlns="">
           <p:pic>
             <p:nvPicPr>
               <p:cNvPr id="147" name="Ink 146"/>
@@ -48565,10 +47295,6 @@
               </a:rPr>
               <a:t>-Windows Trello board.</a:t>
             </a:r>
-            <a:endParaRPr lang="en-US" sz="1200" dirty="0">
-              <a:latin typeface="Segoe UI Light" panose="020B0502040204020203" pitchFamily="34" charset="0"/>
-              <a:cs typeface="Segoe UI Light" panose="020B0502040204020203" pitchFamily="34" charset="0"/>
-            </a:endParaRPr>
           </a:p>
           <a:p>
             <a:r>
